--- a/docs/SHUTL Presentation.pptx
+++ b/docs/SHUTL Presentation.pptx
@@ -7,8 +7,15 @@
   <p:sldIdLst>
     <p:sldId id="256" r:id="rId2"/>
     <p:sldId id="257" r:id="rId3"/>
-    <p:sldId id="258" r:id="rId4"/>
-    <p:sldId id="259" r:id="rId5"/>
+    <p:sldId id="260" r:id="rId4"/>
+    <p:sldId id="263" r:id="rId5"/>
+    <p:sldId id="258" r:id="rId6"/>
+    <p:sldId id="261" r:id="rId7"/>
+    <p:sldId id="262" r:id="rId8"/>
+    <p:sldId id="264" r:id="rId9"/>
+    <p:sldId id="265" r:id="rId10"/>
+    <p:sldId id="266" r:id="rId11"/>
+    <p:sldId id="259" r:id="rId12"/>
   </p:sldIdLst>
   <p:sldSz cx="12192000" cy="6858000"/>
   <p:notesSz cx="6858000" cy="9144000"/>
@@ -107,6 +114,11 @@
       </a:defRPr>
     </a:lvl9pPr>
   </p:defaultTextStyle>
+  <p:extLst>
+    <p:ext uri="{EFAFB233-063F-42B5-8137-9DF3F51BA10A}">
+      <p15:sldGuideLst xmlns:p15="http://schemas.microsoft.com/office/powerpoint/2012/main"/>
+    </p:ext>
+  </p:extLst>
 </p:presentation>
 </file>
 
@@ -832,7 +844,7 @@
           <a:p>
             <a:fld id="{340AE056-C154-4FEA-948B-FAF5000E8DD7}" type="datetimeFigureOut">
               <a:rPr lang="en-GB" smtClean="0"/>
-              <a:t>16/10/2015</a:t>
+              <a:t>20/10/2015</a:t>
             </a:fld>
             <a:endParaRPr lang="en-GB"/>
           </a:p>
@@ -1083,7 +1095,7 @@
           <a:p>
             <a:fld id="{340AE056-C154-4FEA-948B-FAF5000E8DD7}" type="datetimeFigureOut">
               <a:rPr lang="en-GB" smtClean="0"/>
-              <a:t>16/10/2015</a:t>
+              <a:t>20/10/2015</a:t>
             </a:fld>
             <a:endParaRPr lang="en-GB"/>
           </a:p>
@@ -1397,7 +1409,7 @@
           <a:p>
             <a:fld id="{340AE056-C154-4FEA-948B-FAF5000E8DD7}" type="datetimeFigureOut">
               <a:rPr lang="en-GB" smtClean="0"/>
-              <a:t>16/10/2015</a:t>
+              <a:t>20/10/2015</a:t>
             </a:fld>
             <a:endParaRPr lang="en-GB"/>
           </a:p>
@@ -1738,7 +1750,7 @@
           <a:p>
             <a:fld id="{340AE056-C154-4FEA-948B-FAF5000E8DD7}" type="datetimeFigureOut">
               <a:rPr lang="en-GB" smtClean="0"/>
-              <a:t>16/10/2015</a:t>
+              <a:t>20/10/2015</a:t>
             </a:fld>
             <a:endParaRPr lang="en-GB"/>
           </a:p>
@@ -2052,7 +2064,7 @@
           <a:p>
             <a:fld id="{340AE056-C154-4FEA-948B-FAF5000E8DD7}" type="datetimeFigureOut">
               <a:rPr lang="en-GB" smtClean="0"/>
-              <a:t>16/10/2015</a:t>
+              <a:t>20/10/2015</a:t>
             </a:fld>
             <a:endParaRPr lang="en-GB"/>
           </a:p>
@@ -2445,7 +2457,7 @@
           <a:p>
             <a:fld id="{340AE056-C154-4FEA-948B-FAF5000E8DD7}" type="datetimeFigureOut">
               <a:rPr lang="en-GB" smtClean="0"/>
-              <a:t>16/10/2015</a:t>
+              <a:t>20/10/2015</a:t>
             </a:fld>
             <a:endParaRPr lang="en-GB"/>
           </a:p>
@@ -2615,7 +2627,7 @@
           <a:p>
             <a:fld id="{340AE056-C154-4FEA-948B-FAF5000E8DD7}" type="datetimeFigureOut">
               <a:rPr lang="en-GB" smtClean="0"/>
-              <a:t>16/10/2015</a:t>
+              <a:t>20/10/2015</a:t>
             </a:fld>
             <a:endParaRPr lang="en-GB"/>
           </a:p>
@@ -2795,7 +2807,7 @@
           <a:p>
             <a:fld id="{340AE056-C154-4FEA-948B-FAF5000E8DD7}" type="datetimeFigureOut">
               <a:rPr lang="en-GB" smtClean="0"/>
-              <a:t>16/10/2015</a:t>
+              <a:t>20/10/2015</a:t>
             </a:fld>
             <a:endParaRPr lang="en-GB"/>
           </a:p>
@@ -2971,7 +2983,7 @@
           <a:p>
             <a:fld id="{340AE056-C154-4FEA-948B-FAF5000E8DD7}" type="datetimeFigureOut">
               <a:rPr lang="en-GB" smtClean="0"/>
-              <a:t>16/10/2015</a:t>
+              <a:t>20/10/2015</a:t>
             </a:fld>
             <a:endParaRPr lang="en-GB"/>
           </a:p>
@@ -3218,7 +3230,7 @@
           <a:p>
             <a:fld id="{340AE056-C154-4FEA-948B-FAF5000E8DD7}" type="datetimeFigureOut">
               <a:rPr lang="en-GB" smtClean="0"/>
-              <a:t>16/10/2015</a:t>
+              <a:t>20/10/2015</a:t>
             </a:fld>
             <a:endParaRPr lang="en-GB"/>
           </a:p>
@@ -3450,7 +3462,7 @@
           <a:p>
             <a:fld id="{340AE056-C154-4FEA-948B-FAF5000E8DD7}" type="datetimeFigureOut">
               <a:rPr lang="en-GB" smtClean="0"/>
-              <a:t>16/10/2015</a:t>
+              <a:t>20/10/2015</a:t>
             </a:fld>
             <a:endParaRPr lang="en-GB"/>
           </a:p>
@@ -3824,7 +3836,7 @@
           <a:p>
             <a:fld id="{340AE056-C154-4FEA-948B-FAF5000E8DD7}" type="datetimeFigureOut">
               <a:rPr lang="en-GB" smtClean="0"/>
-              <a:t>16/10/2015</a:t>
+              <a:t>20/10/2015</a:t>
             </a:fld>
             <a:endParaRPr lang="en-GB"/>
           </a:p>
@@ -3947,7 +3959,7 @@
           <a:p>
             <a:fld id="{340AE056-C154-4FEA-948B-FAF5000E8DD7}" type="datetimeFigureOut">
               <a:rPr lang="en-GB" smtClean="0"/>
-              <a:t>16/10/2015</a:t>
+              <a:t>20/10/2015</a:t>
             </a:fld>
             <a:endParaRPr lang="en-GB"/>
           </a:p>
@@ -4042,7 +4054,7 @@
           <a:p>
             <a:fld id="{340AE056-C154-4FEA-948B-FAF5000E8DD7}" type="datetimeFigureOut">
               <a:rPr lang="en-GB" smtClean="0"/>
-              <a:t>16/10/2015</a:t>
+              <a:t>20/10/2015</a:t>
             </a:fld>
             <a:endParaRPr lang="en-GB"/>
           </a:p>
@@ -4297,7 +4309,7 @@
           <a:p>
             <a:fld id="{340AE056-C154-4FEA-948B-FAF5000E8DD7}" type="datetimeFigureOut">
               <a:rPr lang="en-GB" smtClean="0"/>
-              <a:t>16/10/2015</a:t>
+              <a:t>20/10/2015</a:t>
             </a:fld>
             <a:endParaRPr lang="en-GB"/>
           </a:p>
@@ -4560,7 +4572,7 @@
           <a:p>
             <a:fld id="{340AE056-C154-4FEA-948B-FAF5000E8DD7}" type="datetimeFigureOut">
               <a:rPr lang="en-GB" smtClean="0"/>
-              <a:t>16/10/2015</a:t>
+              <a:t>20/10/2015</a:t>
             </a:fld>
             <a:endParaRPr lang="en-GB"/>
           </a:p>
@@ -5311,7 +5323,7 @@
           <a:p>
             <a:fld id="{340AE056-C154-4FEA-948B-FAF5000E8DD7}" type="datetimeFigureOut">
               <a:rPr lang="en-GB" smtClean="0"/>
-              <a:t>16/10/2015</a:t>
+              <a:t>20/10/2015</a:t>
             </a:fld>
             <a:endParaRPr lang="en-GB"/>
           </a:p>
@@ -5863,6 +5875,11 @@
             <a:avLst/>
           </a:prstGeom>
           <a:noFill/>
+          <a:ln>
+            <a:solidFill>
+              <a:schemeClr val="bg1"/>
+            </a:solidFill>
+          </a:ln>
         </p:spPr>
         <p:txBody>
           <a:bodyPr wrap="square" lIns="91440" tIns="45720" rIns="91440" bIns="45720">
@@ -5912,7 +5929,7 @@
         <p:spPr>
           <a:xfrm>
             <a:off x="3981599" y="4585512"/>
-            <a:ext cx="2450373" cy="369332"/>
+            <a:ext cx="2450373" cy="646331"/>
           </a:xfrm>
           <a:prstGeom prst="rect">
             <a:avLst/>
@@ -5927,7 +5944,13 @@
           <a:p>
             <a:r>
               <a:rPr lang="en-GB" dirty="0" smtClean="0"/>
-              <a:t>Created by Group 12 </a:t>
+              <a:t>Created by Group 12</a:t>
+            </a:r>
+          </a:p>
+          <a:p>
+            <a:r>
+              <a:rPr lang="en-GB" dirty="0" smtClean="0"/>
+              <a:t> </a:t>
             </a:r>
             <a:endParaRPr lang="en-GB" dirty="0"/>
           </a:p>
@@ -5943,13 +5966,13 @@
   <p:clrMapOvr>
     <a:masterClrMapping/>
   </p:clrMapOvr>
-  <mc:AlternateContent xmlns:mc="http://schemas.openxmlformats.org/markup-compatibility/2006">
-    <mc:Choice xmlns:p14="http://schemas.microsoft.com/office/powerpoint/2010/main" Requires="p14">
+  <mc:AlternateContent xmlns:mc="http://schemas.openxmlformats.org/markup-compatibility/2006" xmlns:p14="http://schemas.microsoft.com/office/powerpoint/2010/main">
+    <mc:Choice Requires="p14">
       <p:transition spd="med" p14:dur="700">
         <p:fade/>
       </p:transition>
     </mc:Choice>
-    <mc:Fallback>
+    <mc:Fallback xmlns="">
       <p:transition spd="med">
         <p:fade/>
       </p:transition>
@@ -6091,14 +6114,14 @@
       </p:par>
     </p:tnLst>
     <p:bldLst>
-      <p:bldP spid="4" grpId="0"/>
+      <p:bldP spid="4" grpId="0" animBg="1"/>
       <p:bldP spid="5" grpId="0"/>
     </p:bldLst>
   </p:timing>
 </p:sld>
 </file>
 
-<file path=ppt/slides/slide2.xml><?xml version="1.0" encoding="utf-8"?>
+<file path=ppt/slides/slide10.xml><?xml version="1.0" encoding="utf-8"?>
 <p:sld xmlns:a="http://schemas.openxmlformats.org/drawingml/2006/main" xmlns:r="http://schemas.openxmlformats.org/officeDocument/2006/relationships" xmlns:p="http://schemas.openxmlformats.org/presentationml/2006/main">
   <p:cSld>
     <p:spTree>
@@ -6125,9 +6148,7 @@
             <p:ph type="title"/>
           </p:nvPr>
         </p:nvSpPr>
-        <p:spPr>
-          <a:noFill/>
-        </p:spPr>
+        <p:spPr/>
         <p:txBody>
           <a:bodyPr>
             <a:normAutofit/>
@@ -6140,7 +6161,7 @@
                   <a:schemeClr val="tx1"/>
                 </a:solidFill>
               </a:rPr>
-              <a:t>Brief Layout</a:t>
+              <a:t>Third Floor Game</a:t>
             </a:r>
             <a:endParaRPr lang="en-GB" sz="4800" dirty="0">
               <a:solidFill>
@@ -6150,68 +6171,346 @@
           </a:p>
         </p:txBody>
       </p:sp>
-      <p:sp>
-        <p:nvSpPr>
-          <p:cNvPr id="3" name="Content Placeholder 2"/>
-          <p:cNvSpPr>
-            <a:spLocks noGrp="1"/>
-          </p:cNvSpPr>
-          <p:nvPr>
-            <p:ph idx="1"/>
-          </p:nvPr>
-        </p:nvSpPr>
+      <p:pic>
+        <p:nvPicPr>
+          <p:cNvPr id="5" name="Picture 4"/>
+          <p:cNvPicPr>
+            <a:picLocks noChangeAspect="1"/>
+          </p:cNvPicPr>
+          <p:nvPr/>
+        </p:nvPicPr>
+        <p:blipFill rotWithShape="1">
+          <a:blip r:embed="rId2"/>
+          <a:srcRect l="12977" t="6156" r="49931" b="52173"/>
+          <a:stretch/>
+        </p:blipFill>
         <p:spPr>
           <a:xfrm>
-            <a:off x="822806" y="1848862"/>
-            <a:ext cx="8596668" cy="3880773"/>
+            <a:off x="223128" y="2275610"/>
+            <a:ext cx="5088433" cy="3215511"/>
           </a:xfrm>
+          <a:prstGeom prst="rect">
+            <a:avLst/>
+          </a:prstGeom>
         </p:spPr>
-        <p:txBody>
-          <a:bodyPr/>
-          <a:lstStyle/>
-          <a:p>
-            <a:r>
-              <a:rPr lang="en-GB" dirty="0" smtClean="0"/>
-              <a:t>Instead of the typical flat layout of the map we flipped it on its head and turned it upside down. Our layout is 4 floors – Ground, Floor 1, Floor 2 and Roof. </a:t>
-            </a:r>
-          </a:p>
-          <a:p>
-            <a:r>
-              <a:rPr lang="en-GB" dirty="0" smtClean="0"/>
-              <a:t>There are staircases to the right of the building and a fire escape to the left.</a:t>
-            </a:r>
-          </a:p>
-          <a:p>
-            <a:r>
-              <a:rPr lang="en-GB" dirty="0" smtClean="0"/>
-              <a:t>There is a helicopter on the roof waiting to take you away </a:t>
-            </a:r>
-          </a:p>
-          <a:p>
-            <a:r>
-              <a:rPr lang="en-GB" dirty="0" smtClean="0"/>
-              <a:t> There is a main door at the bottom that will give you access to the outside world and your freedom </a:t>
-            </a:r>
-          </a:p>
-        </p:txBody>
-      </p:sp>
+      </p:pic>
+      <p:pic>
+        <p:nvPicPr>
+          <p:cNvPr id="6" name="Picture 5"/>
+          <p:cNvPicPr>
+            <a:picLocks noChangeAspect="1"/>
+          </p:cNvPicPr>
+          <p:nvPr/>
+        </p:nvPicPr>
+        <p:blipFill rotWithShape="1">
+          <a:blip r:embed="rId2"/>
+          <a:srcRect l="12977" t="47441" r="49931" b="5535"/>
+          <a:stretch/>
+        </p:blipFill>
+        <p:spPr>
+          <a:xfrm>
+            <a:off x="5311561" y="2275610"/>
+            <a:ext cx="5088433" cy="3215511"/>
+          </a:xfrm>
+          <a:prstGeom prst="rect">
+            <a:avLst/>
+          </a:prstGeom>
+        </p:spPr>
+      </p:pic>
     </p:spTree>
     <p:extLst>
       <p:ext uri="{BB962C8B-B14F-4D97-AF65-F5344CB8AC3E}">
-        <p14:creationId xmlns:p14="http://schemas.microsoft.com/office/powerpoint/2010/main" val="1252269608"/>
+        <p14:creationId xmlns:p14="http://schemas.microsoft.com/office/powerpoint/2010/main" val="2712179400"/>
       </p:ext>
     </p:extLst>
   </p:cSld>
   <p:clrMapOvr>
     <a:masterClrMapping/>
   </p:clrMapOvr>
-  <mc:AlternateContent xmlns:mc="http://schemas.openxmlformats.org/markup-compatibility/2006">
-    <mc:Choice xmlns:p14="http://schemas.microsoft.com/office/powerpoint/2010/main" Requires="p14">
+  <p:timing>
+    <p:tnLst>
+      <p:par>
+        <p:cTn id="1" dur="indefinite" restart="never" nodeType="tmRoot">
+          <p:childTnLst>
+            <p:seq concurrent="1" nextAc="seek">
+              <p:cTn id="2" dur="indefinite" nodeType="mainSeq">
+                <p:childTnLst>
+                  <p:par>
+                    <p:cTn id="3" fill="hold">
+                      <p:stCondLst>
+                        <p:cond delay="indefinite"/>
+                      </p:stCondLst>
+                      <p:childTnLst>
+                        <p:par>
+                          <p:cTn id="4" fill="hold">
+                            <p:stCondLst>
+                              <p:cond delay="0"/>
+                            </p:stCondLst>
+                            <p:childTnLst>
+                              <p:par>
+                                <p:cTn id="5" presetID="10" presetClass="entr" presetSubtype="0" fill="hold" grpId="0" nodeType="clickEffect">
+                                  <p:stCondLst>
+                                    <p:cond delay="0"/>
+                                  </p:stCondLst>
+                                  <p:childTnLst>
+                                    <p:set>
+                                      <p:cBhvr>
+                                        <p:cTn id="6" dur="1" fill="hold">
+                                          <p:stCondLst>
+                                            <p:cond delay="0"/>
+                                          </p:stCondLst>
+                                        </p:cTn>
+                                        <p:tgtEl>
+                                          <p:spTgt spid="2"/>
+                                        </p:tgtEl>
+                                        <p:attrNameLst>
+                                          <p:attrName>style.visibility</p:attrName>
+                                        </p:attrNameLst>
+                                      </p:cBhvr>
+                                      <p:to>
+                                        <p:strVal val="visible"/>
+                                      </p:to>
+                                    </p:set>
+                                    <p:animEffect transition="in" filter="fade">
+                                      <p:cBhvr>
+                                        <p:cTn id="7" dur="500"/>
+                                        <p:tgtEl>
+                                          <p:spTgt spid="2"/>
+                                        </p:tgtEl>
+                                      </p:cBhvr>
+                                    </p:animEffect>
+                                  </p:childTnLst>
+                                </p:cTn>
+                              </p:par>
+                            </p:childTnLst>
+                          </p:cTn>
+                        </p:par>
+                      </p:childTnLst>
+                    </p:cTn>
+                  </p:par>
+                  <p:par>
+                    <p:cTn id="8" fill="hold">
+                      <p:stCondLst>
+                        <p:cond delay="indefinite"/>
+                      </p:stCondLst>
+                      <p:childTnLst>
+                        <p:par>
+                          <p:cTn id="9" fill="hold">
+                            <p:stCondLst>
+                              <p:cond delay="0"/>
+                            </p:stCondLst>
+                            <p:childTnLst>
+                              <p:par>
+                                <p:cTn id="10" presetID="10" presetClass="entr" presetSubtype="0" fill="hold" nodeType="clickEffect">
+                                  <p:stCondLst>
+                                    <p:cond delay="0"/>
+                                  </p:stCondLst>
+                                  <p:childTnLst>
+                                    <p:set>
+                                      <p:cBhvr>
+                                        <p:cTn id="11" dur="1" fill="hold">
+                                          <p:stCondLst>
+                                            <p:cond delay="0"/>
+                                          </p:stCondLst>
+                                        </p:cTn>
+                                        <p:tgtEl>
+                                          <p:spTgt spid="5"/>
+                                        </p:tgtEl>
+                                        <p:attrNameLst>
+                                          <p:attrName>style.visibility</p:attrName>
+                                        </p:attrNameLst>
+                                      </p:cBhvr>
+                                      <p:to>
+                                        <p:strVal val="visible"/>
+                                      </p:to>
+                                    </p:set>
+                                    <p:animEffect transition="in" filter="fade">
+                                      <p:cBhvr>
+                                        <p:cTn id="12" dur="500"/>
+                                        <p:tgtEl>
+                                          <p:spTgt spid="5"/>
+                                        </p:tgtEl>
+                                      </p:cBhvr>
+                                    </p:animEffect>
+                                  </p:childTnLst>
+                                </p:cTn>
+                              </p:par>
+                              <p:par>
+                                <p:cTn id="13" presetID="10" presetClass="entr" presetSubtype="0" fill="hold" nodeType="withEffect">
+                                  <p:stCondLst>
+                                    <p:cond delay="0"/>
+                                  </p:stCondLst>
+                                  <p:childTnLst>
+                                    <p:set>
+                                      <p:cBhvr>
+                                        <p:cTn id="14" dur="1" fill="hold">
+                                          <p:stCondLst>
+                                            <p:cond delay="0"/>
+                                          </p:stCondLst>
+                                        </p:cTn>
+                                        <p:tgtEl>
+                                          <p:spTgt spid="6"/>
+                                        </p:tgtEl>
+                                        <p:attrNameLst>
+                                          <p:attrName>style.visibility</p:attrName>
+                                        </p:attrNameLst>
+                                      </p:cBhvr>
+                                      <p:to>
+                                        <p:strVal val="visible"/>
+                                      </p:to>
+                                    </p:set>
+                                    <p:animEffect transition="in" filter="fade">
+                                      <p:cBhvr>
+                                        <p:cTn id="15" dur="500"/>
+                                        <p:tgtEl>
+                                          <p:spTgt spid="6"/>
+                                        </p:tgtEl>
+                                      </p:cBhvr>
+                                    </p:animEffect>
+                                  </p:childTnLst>
+                                </p:cTn>
+                              </p:par>
+                            </p:childTnLst>
+                          </p:cTn>
+                        </p:par>
+                      </p:childTnLst>
+                    </p:cTn>
+                  </p:par>
+                </p:childTnLst>
+              </p:cTn>
+              <p:prevCondLst>
+                <p:cond evt="onPrev" delay="0">
+                  <p:tgtEl>
+                    <p:sldTgt/>
+                  </p:tgtEl>
+                </p:cond>
+              </p:prevCondLst>
+              <p:nextCondLst>
+                <p:cond evt="onNext" delay="0">
+                  <p:tgtEl>
+                    <p:sldTgt/>
+                  </p:tgtEl>
+                </p:cond>
+              </p:nextCondLst>
+            </p:seq>
+          </p:childTnLst>
+        </p:cTn>
+      </p:par>
+    </p:tnLst>
+    <p:bldLst>
+      <p:bldP spid="2" grpId="0"/>
+    </p:bldLst>
+  </p:timing>
+</p:sld>
+</file>
+
+<file path=ppt/slides/slide11.xml><?xml version="1.0" encoding="utf-8"?>
+<p:sld xmlns:a="http://schemas.openxmlformats.org/drawingml/2006/main" xmlns:r="http://schemas.openxmlformats.org/officeDocument/2006/relationships" xmlns:p="http://schemas.openxmlformats.org/presentationml/2006/main">
+  <p:cSld>
+    <p:spTree>
+      <p:nvGrpSpPr>
+        <p:cNvPr id="1" name=""/>
+        <p:cNvGrpSpPr/>
+        <p:nvPr/>
+      </p:nvGrpSpPr>
+      <p:grpSpPr>
+        <a:xfrm>
+          <a:off x="0" y="0"/>
+          <a:ext cx="0" cy="0"/>
+          <a:chOff x="0" y="0"/>
+          <a:chExt cx="0" cy="0"/>
+        </a:xfrm>
+      </p:grpSpPr>
+      <p:sp>
+        <p:nvSpPr>
+          <p:cNvPr id="2" name="Title 1"/>
+          <p:cNvSpPr>
+            <a:spLocks noGrp="1"/>
+          </p:cNvSpPr>
+          <p:nvPr>
+            <p:ph type="title"/>
+          </p:nvPr>
+        </p:nvSpPr>
+        <p:spPr/>
+        <p:txBody>
+          <a:bodyPr>
+            <a:normAutofit/>
+          </a:bodyPr>
+          <a:lstStyle/>
+          <a:p>
+            <a:r>
+              <a:rPr lang="en-GB" sz="4800" dirty="0" smtClean="0">
+                <a:solidFill>
+                  <a:schemeClr val="tx1"/>
+                </a:solidFill>
+              </a:rPr>
+              <a:t>Hope you enjoy the game!</a:t>
+            </a:r>
+            <a:endParaRPr lang="en-GB" sz="4800" dirty="0">
+              <a:solidFill>
+                <a:schemeClr val="tx1"/>
+              </a:solidFill>
+            </a:endParaRPr>
+          </a:p>
+        </p:txBody>
+      </p:sp>
+      <p:sp>
+        <p:nvSpPr>
+          <p:cNvPr id="3" name="Content Placeholder 2"/>
+          <p:cNvSpPr>
+            <a:spLocks noGrp="1"/>
+          </p:cNvSpPr>
+          <p:nvPr>
+            <p:ph idx="1"/>
+          </p:nvPr>
+        </p:nvSpPr>
+        <p:spPr>
+          <a:xfrm>
+            <a:off x="677334" y="1930401"/>
+            <a:ext cx="8596668" cy="4110962"/>
+          </a:xfrm>
+        </p:spPr>
+        <p:txBody>
+          <a:bodyPr/>
+          <a:lstStyle/>
+          <a:p>
+            <a:r>
+              <a:rPr lang="en-GB" dirty="0" smtClean="0"/>
+              <a:t>Hope you enjoy the game!</a:t>
+            </a:r>
+          </a:p>
+          <a:p>
+            <a:r>
+              <a:rPr lang="en-GB" dirty="0" smtClean="0"/>
+              <a:t>By the way, there is a much easier way to escape from the building, you Should Have Used The Lift </a:t>
+            </a:r>
+          </a:p>
+          <a:p>
+            <a:r>
+              <a:rPr lang="en-GB" smtClean="0"/>
+              <a:t>SHUTL </a:t>
+            </a:r>
+            <a:endParaRPr lang="en-GB" dirty="0" smtClean="0"/>
+          </a:p>
+        </p:txBody>
+      </p:sp>
+    </p:spTree>
+    <p:extLst>
+      <p:ext uri="{BB962C8B-B14F-4D97-AF65-F5344CB8AC3E}">
+        <p14:creationId xmlns:p14="http://schemas.microsoft.com/office/powerpoint/2010/main" val="582823549"/>
+      </p:ext>
+    </p:extLst>
+  </p:cSld>
+  <p:clrMapOvr>
+    <a:masterClrMapping/>
+  </p:clrMapOvr>
+  <mc:AlternateContent xmlns:mc="http://schemas.openxmlformats.org/markup-compatibility/2006" xmlns:p14="http://schemas.microsoft.com/office/powerpoint/2010/main">
+    <mc:Choice Requires="p14">
       <p:transition spd="med" p14:dur="700">
         <p:fade/>
       </p:transition>
     </mc:Choice>
-    <mc:Fallback>
+    <mc:Fallback xmlns="">
       <p:transition spd="med">
         <p:fade/>
       </p:transition>
@@ -6461,67 +6760,6 @@
                       </p:childTnLst>
                     </p:cTn>
                   </p:par>
-                  <p:par>
-                    <p:cTn id="23" fill="hold">
-                      <p:stCondLst>
-                        <p:cond delay="indefinite"/>
-                      </p:stCondLst>
-                      <p:childTnLst>
-                        <p:par>
-                          <p:cTn id="24" fill="hold">
-                            <p:stCondLst>
-                              <p:cond delay="0"/>
-                            </p:stCondLst>
-                            <p:childTnLst>
-                              <p:par>
-                                <p:cTn id="25" presetID="10" presetClass="entr" presetSubtype="0" fill="hold" grpId="0" nodeType="clickEffect">
-                                  <p:stCondLst>
-                                    <p:cond delay="0"/>
-                                  </p:stCondLst>
-                                  <p:childTnLst>
-                                    <p:set>
-                                      <p:cBhvr>
-                                        <p:cTn id="26" dur="1" fill="hold">
-                                          <p:stCondLst>
-                                            <p:cond delay="0"/>
-                                          </p:stCondLst>
-                                        </p:cTn>
-                                        <p:tgtEl>
-                                          <p:spTgt spid="3">
-                                            <p:txEl>
-                                              <p:pRg st="3" end="3"/>
-                                            </p:txEl>
-                                          </p:spTgt>
-                                        </p:tgtEl>
-                                        <p:attrNameLst>
-                                          <p:attrName>style.visibility</p:attrName>
-                                        </p:attrNameLst>
-                                      </p:cBhvr>
-                                      <p:to>
-                                        <p:strVal val="visible"/>
-                                      </p:to>
-                                    </p:set>
-                                    <p:animEffect transition="in" filter="fade">
-                                      <p:cBhvr>
-                                        <p:cTn id="27" dur="500"/>
-                                        <p:tgtEl>
-                                          <p:spTgt spid="3">
-                                            <p:txEl>
-                                              <p:pRg st="3" end="3"/>
-                                            </p:txEl>
-                                          </p:spTgt>
-                                        </p:tgtEl>
-                                      </p:cBhvr>
-                                    </p:animEffect>
-                                  </p:childTnLst>
-                                </p:cTn>
-                              </p:par>
-                            </p:childTnLst>
-                          </p:cTn>
-                        </p:par>
-                      </p:childTnLst>
-                    </p:cTn>
-                  </p:par>
                 </p:childTnLst>
               </p:cTn>
               <p:prevCondLst>
@@ -6551,7 +6789,7 @@
 </p:sld>
 </file>
 
-<file path=ppt/slides/slide3.xml><?xml version="1.0" encoding="utf-8"?>
+<file path=ppt/slides/slide2.xml><?xml version="1.0" encoding="utf-8"?>
 <p:sld xmlns:a="http://schemas.openxmlformats.org/drawingml/2006/main" xmlns:r="http://schemas.openxmlformats.org/officeDocument/2006/relationships" xmlns:p="http://schemas.openxmlformats.org/presentationml/2006/main">
   <p:cSld>
     <p:spTree>
@@ -6578,7 +6816,9 @@
             <p:ph type="title"/>
           </p:nvPr>
         </p:nvSpPr>
-        <p:spPr/>
+        <p:spPr>
+          <a:noFill/>
+        </p:spPr>
         <p:txBody>
           <a:bodyPr>
             <a:normAutofit/>
@@ -6591,7 +6831,7 @@
                   <a:schemeClr val="tx1"/>
                 </a:solidFill>
               </a:rPr>
-              <a:t>Some Python We Used </a:t>
+              <a:t>Brief Layout</a:t>
             </a:r>
             <a:endParaRPr lang="en-GB" sz="4800" dirty="0">
               <a:solidFill>
@@ -6613,8 +6853,8 @@
         </p:nvSpPr>
         <p:spPr>
           <a:xfrm>
-            <a:off x="677334" y="1930399"/>
-            <a:ext cx="8596668" cy="4110963"/>
+            <a:off x="822806" y="1848862"/>
+            <a:ext cx="8596668" cy="3880773"/>
           </a:xfrm>
         </p:spPr>
         <p:txBody>
@@ -6623,32 +6863,45 @@
           <a:p>
             <a:r>
               <a:rPr lang="en-GB" dirty="0" smtClean="0"/>
-              <a:t>We used a random function to randomly place a dairy milk chocolate bar on one of the floors. If you come across this chocolate bar then your health will increase. </a:t>
+              <a:t>Instead of the typical flat layout of the map we flipped it on its head and turned it upside down. Our layout is 5 floors – Ground Floor, Floor 1, Floor 2, Floor 3 and the Roof. </a:t>
             </a:r>
           </a:p>
           <a:p>
             <a:r>
               <a:rPr lang="en-GB" dirty="0" smtClean="0"/>
-              <a:t>(Print Screen of code)? </a:t>
-            </a:r>
-            <a:endParaRPr lang="en-GB" dirty="0"/>
+              <a:t>There are staircases to the right of the building and a fire escape to the left.</a:t>
+            </a:r>
           </a:p>
           <a:p>
             <a:r>
               <a:rPr lang="en-GB" dirty="0" smtClean="0"/>
-              <a:t>We used health in our game, this will decrease in terms of where you are in the building and your movement. Also it could increase on things you pick up.</a:t>
+              <a:t>There is a helicopter on the roof waiting to take you away with an injured pilot in there. </a:t>
             </a:r>
           </a:p>
           <a:p>
             <a:r>
               <a:rPr lang="en-GB" dirty="0" smtClean="0"/>
-              <a:t>“”</a:t>
+              <a:t>There is a main door at the bottom that will give you access to the outside world and your freedom.</a:t>
             </a:r>
           </a:p>
           <a:p>
             <a:r>
               <a:rPr lang="en-GB" dirty="0" smtClean="0"/>
-              <a:t>ADD ANY OTHER CODE  </a:t>
+              <a:t>There will be obstacles such fire and smoke that will hurt your health. For example if you enter the fire filled staircase, you will lose 50 </a:t>
+            </a:r>
+            <a:r>
+              <a:rPr lang="en-GB" dirty="0" err="1" smtClean="0"/>
+              <a:t>hp</a:t>
+            </a:r>
+            <a:r>
+              <a:rPr lang="en-GB" dirty="0" smtClean="0"/>
+              <a:t> </a:t>
+            </a:r>
+          </a:p>
+          <a:p>
+            <a:r>
+              <a:rPr lang="en-GB" dirty="0" smtClean="0"/>
+              <a:t>Furthermore you will lose health every time you move up or down. </a:t>
             </a:r>
           </a:p>
         </p:txBody>
@@ -6656,20 +6909,20 @@
     </p:spTree>
     <p:extLst>
       <p:ext uri="{BB962C8B-B14F-4D97-AF65-F5344CB8AC3E}">
-        <p14:creationId xmlns:p14="http://schemas.microsoft.com/office/powerpoint/2010/main" val="4173103084"/>
+        <p14:creationId xmlns:p14="http://schemas.microsoft.com/office/powerpoint/2010/main" val="1252269608"/>
       </p:ext>
     </p:extLst>
   </p:cSld>
   <p:clrMapOvr>
     <a:masterClrMapping/>
   </p:clrMapOvr>
-  <mc:AlternateContent xmlns:mc="http://schemas.openxmlformats.org/markup-compatibility/2006">
-    <mc:Choice xmlns:p14="http://schemas.microsoft.com/office/powerpoint/2010/main" Requires="p14">
+  <mc:AlternateContent xmlns:mc="http://schemas.openxmlformats.org/markup-compatibility/2006" xmlns:p14="http://schemas.microsoft.com/office/powerpoint/2010/main">
+    <mc:Choice Requires="p14">
       <p:transition spd="med" p14:dur="700">
         <p:fade/>
       </p:transition>
     </mc:Choice>
-    <mc:Fallback>
+    <mc:Fallback xmlns="">
       <p:transition spd="med">
         <p:fade/>
       </p:transition>
@@ -7041,6 +7294,67 @@
                       </p:childTnLst>
                     </p:cTn>
                   </p:par>
+                  <p:par>
+                    <p:cTn id="33" fill="hold">
+                      <p:stCondLst>
+                        <p:cond delay="indefinite"/>
+                      </p:stCondLst>
+                      <p:childTnLst>
+                        <p:par>
+                          <p:cTn id="34" fill="hold">
+                            <p:stCondLst>
+                              <p:cond delay="0"/>
+                            </p:stCondLst>
+                            <p:childTnLst>
+                              <p:par>
+                                <p:cTn id="35" presetID="10" presetClass="entr" presetSubtype="0" fill="hold" grpId="0" nodeType="clickEffect">
+                                  <p:stCondLst>
+                                    <p:cond delay="0"/>
+                                  </p:stCondLst>
+                                  <p:childTnLst>
+                                    <p:set>
+                                      <p:cBhvr>
+                                        <p:cTn id="36" dur="1" fill="hold">
+                                          <p:stCondLst>
+                                            <p:cond delay="0"/>
+                                          </p:stCondLst>
+                                        </p:cTn>
+                                        <p:tgtEl>
+                                          <p:spTgt spid="3">
+                                            <p:txEl>
+                                              <p:pRg st="5" end="5"/>
+                                            </p:txEl>
+                                          </p:spTgt>
+                                        </p:tgtEl>
+                                        <p:attrNameLst>
+                                          <p:attrName>style.visibility</p:attrName>
+                                        </p:attrNameLst>
+                                      </p:cBhvr>
+                                      <p:to>
+                                        <p:strVal val="visible"/>
+                                      </p:to>
+                                    </p:set>
+                                    <p:animEffect transition="in" filter="fade">
+                                      <p:cBhvr>
+                                        <p:cTn id="37" dur="500"/>
+                                        <p:tgtEl>
+                                          <p:spTgt spid="3">
+                                            <p:txEl>
+                                              <p:pRg st="5" end="5"/>
+                                            </p:txEl>
+                                          </p:spTgt>
+                                        </p:tgtEl>
+                                      </p:cBhvr>
+                                    </p:animEffect>
+                                  </p:childTnLst>
+                                </p:cTn>
+                              </p:par>
+                            </p:childTnLst>
+                          </p:cTn>
+                        </p:par>
+                      </p:childTnLst>
+                    </p:cTn>
+                  </p:par>
                 </p:childTnLst>
               </p:cTn>
               <p:prevCondLst>
@@ -7070,7 +7384,7 @@
 </p:sld>
 </file>
 
-<file path=ppt/slides/slide4.xml><?xml version="1.0" encoding="utf-8"?>
+<file path=ppt/slides/slide3.xml><?xml version="1.0" encoding="utf-8"?>
 <p:sld xmlns:a="http://schemas.openxmlformats.org/drawingml/2006/main" xmlns:r="http://schemas.openxmlformats.org/officeDocument/2006/relationships" xmlns:p="http://schemas.openxmlformats.org/presentationml/2006/main">
   <p:cSld>
     <p:spTree>
@@ -7110,7 +7424,7 @@
                   <a:schemeClr val="tx1"/>
                 </a:solidFill>
               </a:rPr>
-              <a:t>Hope you enjoy the game!</a:t>
+              <a:t>Items</a:t>
             </a:r>
             <a:endParaRPr lang="en-GB" sz="4800" dirty="0">
               <a:solidFill>
@@ -7132,7 +7446,7 @@
         </p:nvSpPr>
         <p:spPr>
           <a:xfrm>
-            <a:off x="677334" y="1930401"/>
+            <a:off x="677334" y="1836883"/>
             <a:ext cx="8596668" cy="4110962"/>
           </a:xfrm>
         </p:spPr>
@@ -7142,40 +7456,81 @@
           <a:p>
             <a:r>
               <a:rPr lang="en-GB" dirty="0" smtClean="0"/>
-              <a:t>Hope you enjoy the game! </a:t>
-            </a:r>
-          </a:p>
-          <a:p>
+              <a:t>There are various different items in the game which will aid you within the game. These are…</a:t>
+            </a:r>
+          </a:p>
+          <a:p>
+            <a:pPr lvl="1"/>
             <a:r>
               <a:rPr lang="en-GB" dirty="0" smtClean="0"/>
-              <a:t>Does anyone want to come up to demo the game?</a:t>
-            </a:r>
-            <a:endParaRPr lang="en-GB" dirty="0"/>
+              <a:t>Brick</a:t>
+            </a:r>
+          </a:p>
+          <a:p>
+            <a:pPr lvl="1"/>
+            <a:r>
+              <a:rPr lang="en-GB" dirty="0" smtClean="0"/>
+              <a:t>Rope </a:t>
+            </a:r>
+          </a:p>
+          <a:p>
+            <a:pPr lvl="1"/>
+            <a:r>
+              <a:rPr lang="en-GB" dirty="0" smtClean="0"/>
+              <a:t>Chocolate (Dairy Milk for Joe)</a:t>
+            </a:r>
+          </a:p>
+          <a:p>
+            <a:pPr lvl="1"/>
+            <a:r>
+              <a:rPr lang="en-GB" dirty="0" smtClean="0"/>
+              <a:t>ID Card </a:t>
+            </a:r>
+          </a:p>
+          <a:p>
+            <a:pPr lvl="1"/>
+            <a:r>
+              <a:rPr lang="en-GB" dirty="0" smtClean="0"/>
+              <a:t>Key </a:t>
+            </a:r>
+          </a:p>
+          <a:p>
+            <a:pPr lvl="1"/>
+            <a:r>
+              <a:rPr lang="en-GB" dirty="0" smtClean="0"/>
+              <a:t>First Aid Kit </a:t>
+            </a:r>
+          </a:p>
+          <a:p>
+            <a:pPr lvl="1"/>
+            <a:r>
+              <a:rPr lang="en-GB" dirty="0" smtClean="0"/>
+              <a:t>Fuel </a:t>
+            </a:r>
+          </a:p>
+          <a:p>
+            <a:pPr lvl="1"/>
+            <a:r>
+              <a:rPr lang="en-GB" dirty="0" smtClean="0"/>
+              <a:t>Some of these will be very useful to your escape, but only if used in the correct place and the correct order</a:t>
+            </a:r>
+          </a:p>
+          <a:p>
+            <a:pPr lvl="1"/>
+            <a:endParaRPr lang="en-GB" dirty="0" smtClean="0"/>
           </a:p>
         </p:txBody>
       </p:sp>
     </p:spTree>
     <p:extLst>
       <p:ext uri="{BB962C8B-B14F-4D97-AF65-F5344CB8AC3E}">
-        <p14:creationId xmlns:p14="http://schemas.microsoft.com/office/powerpoint/2010/main" val="582823549"/>
+        <p14:creationId xmlns:p14="http://schemas.microsoft.com/office/powerpoint/2010/main" val="1015545519"/>
       </p:ext>
     </p:extLst>
   </p:cSld>
   <p:clrMapOvr>
     <a:masterClrMapping/>
   </p:clrMapOvr>
-  <mc:AlternateContent xmlns:mc="http://schemas.openxmlformats.org/markup-compatibility/2006">
-    <mc:Choice xmlns:p14="http://schemas.microsoft.com/office/powerpoint/2010/main" Requires="p14">
-      <p:transition spd="med" p14:dur="700">
-        <p:fade/>
-      </p:transition>
-    </mc:Choice>
-    <mc:Fallback>
-      <p:transition spd="med">
-        <p:fade/>
-      </p:transition>
-    </mc:Fallback>
-  </mc:AlternateContent>
   <p:timing>
     <p:tnLst>
       <p:par>
@@ -7311,7 +7666,7 @@
                             </p:stCondLst>
                             <p:childTnLst>
                               <p:par>
-                                <p:cTn id="15" presetID="10" presetClass="entr" presetSubtype="0" fill="hold" grpId="0" nodeType="clickEffect">
+                                <p:cTn id="15" presetID="10" presetClass="entr" presetSubtype="0" fill="hold" nodeType="clickEffect">
                                   <p:stCondLst>
                                     <p:cond delay="0"/>
                                   </p:stCondLst>
@@ -7359,6 +7714,433 @@
                       </p:childTnLst>
                     </p:cTn>
                   </p:par>
+                  <p:par>
+                    <p:cTn id="18" fill="hold">
+                      <p:stCondLst>
+                        <p:cond delay="indefinite"/>
+                      </p:stCondLst>
+                      <p:childTnLst>
+                        <p:par>
+                          <p:cTn id="19" fill="hold">
+                            <p:stCondLst>
+                              <p:cond delay="0"/>
+                            </p:stCondLst>
+                            <p:childTnLst>
+                              <p:par>
+                                <p:cTn id="20" presetID="10" presetClass="entr" presetSubtype="0" fill="hold" nodeType="clickEffect">
+                                  <p:stCondLst>
+                                    <p:cond delay="0"/>
+                                  </p:stCondLst>
+                                  <p:childTnLst>
+                                    <p:set>
+                                      <p:cBhvr>
+                                        <p:cTn id="21" dur="1" fill="hold">
+                                          <p:stCondLst>
+                                            <p:cond delay="0"/>
+                                          </p:stCondLst>
+                                        </p:cTn>
+                                        <p:tgtEl>
+                                          <p:spTgt spid="3">
+                                            <p:txEl>
+                                              <p:pRg st="2" end="2"/>
+                                            </p:txEl>
+                                          </p:spTgt>
+                                        </p:tgtEl>
+                                        <p:attrNameLst>
+                                          <p:attrName>style.visibility</p:attrName>
+                                        </p:attrNameLst>
+                                      </p:cBhvr>
+                                      <p:to>
+                                        <p:strVal val="visible"/>
+                                      </p:to>
+                                    </p:set>
+                                    <p:animEffect transition="in" filter="fade">
+                                      <p:cBhvr>
+                                        <p:cTn id="22" dur="500"/>
+                                        <p:tgtEl>
+                                          <p:spTgt spid="3">
+                                            <p:txEl>
+                                              <p:pRg st="2" end="2"/>
+                                            </p:txEl>
+                                          </p:spTgt>
+                                        </p:tgtEl>
+                                      </p:cBhvr>
+                                    </p:animEffect>
+                                  </p:childTnLst>
+                                </p:cTn>
+                              </p:par>
+                            </p:childTnLst>
+                          </p:cTn>
+                        </p:par>
+                      </p:childTnLst>
+                    </p:cTn>
+                  </p:par>
+                  <p:par>
+                    <p:cTn id="23" fill="hold">
+                      <p:stCondLst>
+                        <p:cond delay="indefinite"/>
+                      </p:stCondLst>
+                      <p:childTnLst>
+                        <p:par>
+                          <p:cTn id="24" fill="hold">
+                            <p:stCondLst>
+                              <p:cond delay="0"/>
+                            </p:stCondLst>
+                            <p:childTnLst>
+                              <p:par>
+                                <p:cTn id="25" presetID="10" presetClass="entr" presetSubtype="0" fill="hold" nodeType="clickEffect">
+                                  <p:stCondLst>
+                                    <p:cond delay="0"/>
+                                  </p:stCondLst>
+                                  <p:childTnLst>
+                                    <p:set>
+                                      <p:cBhvr>
+                                        <p:cTn id="26" dur="1" fill="hold">
+                                          <p:stCondLst>
+                                            <p:cond delay="0"/>
+                                          </p:stCondLst>
+                                        </p:cTn>
+                                        <p:tgtEl>
+                                          <p:spTgt spid="3">
+                                            <p:txEl>
+                                              <p:pRg st="3" end="3"/>
+                                            </p:txEl>
+                                          </p:spTgt>
+                                        </p:tgtEl>
+                                        <p:attrNameLst>
+                                          <p:attrName>style.visibility</p:attrName>
+                                        </p:attrNameLst>
+                                      </p:cBhvr>
+                                      <p:to>
+                                        <p:strVal val="visible"/>
+                                      </p:to>
+                                    </p:set>
+                                    <p:animEffect transition="in" filter="fade">
+                                      <p:cBhvr>
+                                        <p:cTn id="27" dur="500"/>
+                                        <p:tgtEl>
+                                          <p:spTgt spid="3">
+                                            <p:txEl>
+                                              <p:pRg st="3" end="3"/>
+                                            </p:txEl>
+                                          </p:spTgt>
+                                        </p:tgtEl>
+                                      </p:cBhvr>
+                                    </p:animEffect>
+                                  </p:childTnLst>
+                                </p:cTn>
+                              </p:par>
+                            </p:childTnLst>
+                          </p:cTn>
+                        </p:par>
+                      </p:childTnLst>
+                    </p:cTn>
+                  </p:par>
+                  <p:par>
+                    <p:cTn id="28" fill="hold">
+                      <p:stCondLst>
+                        <p:cond delay="indefinite"/>
+                      </p:stCondLst>
+                      <p:childTnLst>
+                        <p:par>
+                          <p:cTn id="29" fill="hold">
+                            <p:stCondLst>
+                              <p:cond delay="0"/>
+                            </p:stCondLst>
+                            <p:childTnLst>
+                              <p:par>
+                                <p:cTn id="30" presetID="10" presetClass="entr" presetSubtype="0" fill="hold" nodeType="clickEffect">
+                                  <p:stCondLst>
+                                    <p:cond delay="0"/>
+                                  </p:stCondLst>
+                                  <p:childTnLst>
+                                    <p:set>
+                                      <p:cBhvr>
+                                        <p:cTn id="31" dur="1" fill="hold">
+                                          <p:stCondLst>
+                                            <p:cond delay="0"/>
+                                          </p:stCondLst>
+                                        </p:cTn>
+                                        <p:tgtEl>
+                                          <p:spTgt spid="3">
+                                            <p:txEl>
+                                              <p:pRg st="4" end="4"/>
+                                            </p:txEl>
+                                          </p:spTgt>
+                                        </p:tgtEl>
+                                        <p:attrNameLst>
+                                          <p:attrName>style.visibility</p:attrName>
+                                        </p:attrNameLst>
+                                      </p:cBhvr>
+                                      <p:to>
+                                        <p:strVal val="visible"/>
+                                      </p:to>
+                                    </p:set>
+                                    <p:animEffect transition="in" filter="fade">
+                                      <p:cBhvr>
+                                        <p:cTn id="32" dur="500"/>
+                                        <p:tgtEl>
+                                          <p:spTgt spid="3">
+                                            <p:txEl>
+                                              <p:pRg st="4" end="4"/>
+                                            </p:txEl>
+                                          </p:spTgt>
+                                        </p:tgtEl>
+                                      </p:cBhvr>
+                                    </p:animEffect>
+                                  </p:childTnLst>
+                                </p:cTn>
+                              </p:par>
+                            </p:childTnLst>
+                          </p:cTn>
+                        </p:par>
+                      </p:childTnLst>
+                    </p:cTn>
+                  </p:par>
+                  <p:par>
+                    <p:cTn id="33" fill="hold">
+                      <p:stCondLst>
+                        <p:cond delay="indefinite"/>
+                      </p:stCondLst>
+                      <p:childTnLst>
+                        <p:par>
+                          <p:cTn id="34" fill="hold">
+                            <p:stCondLst>
+                              <p:cond delay="0"/>
+                            </p:stCondLst>
+                            <p:childTnLst>
+                              <p:par>
+                                <p:cTn id="35" presetID="10" presetClass="entr" presetSubtype="0" fill="hold" nodeType="clickEffect">
+                                  <p:stCondLst>
+                                    <p:cond delay="0"/>
+                                  </p:stCondLst>
+                                  <p:childTnLst>
+                                    <p:set>
+                                      <p:cBhvr>
+                                        <p:cTn id="36" dur="1" fill="hold">
+                                          <p:stCondLst>
+                                            <p:cond delay="0"/>
+                                          </p:stCondLst>
+                                        </p:cTn>
+                                        <p:tgtEl>
+                                          <p:spTgt spid="3">
+                                            <p:txEl>
+                                              <p:pRg st="5" end="5"/>
+                                            </p:txEl>
+                                          </p:spTgt>
+                                        </p:tgtEl>
+                                        <p:attrNameLst>
+                                          <p:attrName>style.visibility</p:attrName>
+                                        </p:attrNameLst>
+                                      </p:cBhvr>
+                                      <p:to>
+                                        <p:strVal val="visible"/>
+                                      </p:to>
+                                    </p:set>
+                                    <p:animEffect transition="in" filter="fade">
+                                      <p:cBhvr>
+                                        <p:cTn id="37" dur="500"/>
+                                        <p:tgtEl>
+                                          <p:spTgt spid="3">
+                                            <p:txEl>
+                                              <p:pRg st="5" end="5"/>
+                                            </p:txEl>
+                                          </p:spTgt>
+                                        </p:tgtEl>
+                                      </p:cBhvr>
+                                    </p:animEffect>
+                                  </p:childTnLst>
+                                </p:cTn>
+                              </p:par>
+                            </p:childTnLst>
+                          </p:cTn>
+                        </p:par>
+                      </p:childTnLst>
+                    </p:cTn>
+                  </p:par>
+                  <p:par>
+                    <p:cTn id="38" fill="hold">
+                      <p:stCondLst>
+                        <p:cond delay="indefinite"/>
+                      </p:stCondLst>
+                      <p:childTnLst>
+                        <p:par>
+                          <p:cTn id="39" fill="hold">
+                            <p:stCondLst>
+                              <p:cond delay="0"/>
+                            </p:stCondLst>
+                            <p:childTnLst>
+                              <p:par>
+                                <p:cTn id="40" presetID="10" presetClass="entr" presetSubtype="0" fill="hold" nodeType="clickEffect">
+                                  <p:stCondLst>
+                                    <p:cond delay="0"/>
+                                  </p:stCondLst>
+                                  <p:childTnLst>
+                                    <p:set>
+                                      <p:cBhvr>
+                                        <p:cTn id="41" dur="1" fill="hold">
+                                          <p:stCondLst>
+                                            <p:cond delay="0"/>
+                                          </p:stCondLst>
+                                        </p:cTn>
+                                        <p:tgtEl>
+                                          <p:spTgt spid="3">
+                                            <p:txEl>
+                                              <p:pRg st="6" end="6"/>
+                                            </p:txEl>
+                                          </p:spTgt>
+                                        </p:tgtEl>
+                                        <p:attrNameLst>
+                                          <p:attrName>style.visibility</p:attrName>
+                                        </p:attrNameLst>
+                                      </p:cBhvr>
+                                      <p:to>
+                                        <p:strVal val="visible"/>
+                                      </p:to>
+                                    </p:set>
+                                    <p:animEffect transition="in" filter="fade">
+                                      <p:cBhvr>
+                                        <p:cTn id="42" dur="500"/>
+                                        <p:tgtEl>
+                                          <p:spTgt spid="3">
+                                            <p:txEl>
+                                              <p:pRg st="6" end="6"/>
+                                            </p:txEl>
+                                          </p:spTgt>
+                                        </p:tgtEl>
+                                      </p:cBhvr>
+                                    </p:animEffect>
+                                  </p:childTnLst>
+                                </p:cTn>
+                              </p:par>
+                            </p:childTnLst>
+                          </p:cTn>
+                        </p:par>
+                      </p:childTnLst>
+                    </p:cTn>
+                  </p:par>
+                  <p:par>
+                    <p:cTn id="43" fill="hold">
+                      <p:stCondLst>
+                        <p:cond delay="indefinite"/>
+                      </p:stCondLst>
+                      <p:childTnLst>
+                        <p:par>
+                          <p:cTn id="44" fill="hold">
+                            <p:stCondLst>
+                              <p:cond delay="0"/>
+                            </p:stCondLst>
+                            <p:childTnLst>
+                              <p:par>
+                                <p:cTn id="45" presetID="10" presetClass="entr" presetSubtype="0" fill="hold" nodeType="clickEffect">
+                                  <p:stCondLst>
+                                    <p:cond delay="0"/>
+                                  </p:stCondLst>
+                                  <p:childTnLst>
+                                    <p:set>
+                                      <p:cBhvr>
+                                        <p:cTn id="46" dur="1" fill="hold">
+                                          <p:stCondLst>
+                                            <p:cond delay="0"/>
+                                          </p:stCondLst>
+                                        </p:cTn>
+                                        <p:tgtEl>
+                                          <p:spTgt spid="3">
+                                            <p:txEl>
+                                              <p:pRg st="7" end="7"/>
+                                            </p:txEl>
+                                          </p:spTgt>
+                                        </p:tgtEl>
+                                        <p:attrNameLst>
+                                          <p:attrName>style.visibility</p:attrName>
+                                        </p:attrNameLst>
+                                      </p:cBhvr>
+                                      <p:to>
+                                        <p:strVal val="visible"/>
+                                      </p:to>
+                                    </p:set>
+                                    <p:animEffect transition="in" filter="fade">
+                                      <p:cBhvr>
+                                        <p:cTn id="47" dur="500"/>
+                                        <p:tgtEl>
+                                          <p:spTgt spid="3">
+                                            <p:txEl>
+                                              <p:pRg st="7" end="7"/>
+                                            </p:txEl>
+                                          </p:spTgt>
+                                        </p:tgtEl>
+                                      </p:cBhvr>
+                                    </p:animEffect>
+                                  </p:childTnLst>
+                                </p:cTn>
+                              </p:par>
+                            </p:childTnLst>
+                          </p:cTn>
+                        </p:par>
+                      </p:childTnLst>
+                    </p:cTn>
+                  </p:par>
+                  <p:par>
+                    <p:cTn id="48" fill="hold">
+                      <p:stCondLst>
+                        <p:cond delay="indefinite"/>
+                      </p:stCondLst>
+                      <p:childTnLst>
+                        <p:par>
+                          <p:cTn id="49" fill="hold">
+                            <p:stCondLst>
+                              <p:cond delay="0"/>
+                            </p:stCondLst>
+                            <p:childTnLst>
+                              <p:par>
+                                <p:cTn id="50" presetID="10" presetClass="entr" presetSubtype="0" fill="hold" nodeType="clickEffect">
+                                  <p:stCondLst>
+                                    <p:cond delay="0"/>
+                                  </p:stCondLst>
+                                  <p:childTnLst>
+                                    <p:set>
+                                      <p:cBhvr>
+                                        <p:cTn id="51" dur="1" fill="hold">
+                                          <p:stCondLst>
+                                            <p:cond delay="0"/>
+                                          </p:stCondLst>
+                                        </p:cTn>
+                                        <p:tgtEl>
+                                          <p:spTgt spid="3">
+                                            <p:txEl>
+                                              <p:pRg st="8" end="8"/>
+                                            </p:txEl>
+                                          </p:spTgt>
+                                        </p:tgtEl>
+                                        <p:attrNameLst>
+                                          <p:attrName>style.visibility</p:attrName>
+                                        </p:attrNameLst>
+                                      </p:cBhvr>
+                                      <p:to>
+                                        <p:strVal val="visible"/>
+                                      </p:to>
+                                    </p:set>
+                                    <p:animEffect transition="in" filter="fade">
+                                      <p:cBhvr>
+                                        <p:cTn id="52" dur="500"/>
+                                        <p:tgtEl>
+                                          <p:spTgt spid="3">
+                                            <p:txEl>
+                                              <p:pRg st="8" end="8"/>
+                                            </p:txEl>
+                                          </p:spTgt>
+                                        </p:tgtEl>
+                                      </p:cBhvr>
+                                    </p:animEffect>
+                                  </p:childTnLst>
+                                </p:cTn>
+                              </p:par>
+                            </p:childTnLst>
+                          </p:cTn>
+                        </p:par>
+                      </p:childTnLst>
+                    </p:cTn>
+                  </p:par>
                 </p:childTnLst>
               </p:cTn>
               <p:prevCondLst>
@@ -7382,7 +8164,1367 @@
     </p:tnLst>
     <p:bldLst>
       <p:bldP spid="2" grpId="0"/>
-      <p:bldP spid="3" grpId="0" build="p"/>
+      <p:bldP spid="3" grpId="0" uiExpand="1" build="p"/>
+    </p:bldLst>
+  </p:timing>
+</p:sld>
+</file>
+
+<file path=ppt/slides/slide4.xml><?xml version="1.0" encoding="utf-8"?>
+<p:sld xmlns:a="http://schemas.openxmlformats.org/drawingml/2006/main" xmlns:r="http://schemas.openxmlformats.org/officeDocument/2006/relationships" xmlns:p="http://schemas.openxmlformats.org/presentationml/2006/main">
+  <p:cSld>
+    <p:spTree>
+      <p:nvGrpSpPr>
+        <p:cNvPr id="1" name=""/>
+        <p:cNvGrpSpPr/>
+        <p:nvPr/>
+      </p:nvGrpSpPr>
+      <p:grpSpPr>
+        <a:xfrm>
+          <a:off x="0" y="0"/>
+          <a:ext cx="0" cy="0"/>
+          <a:chOff x="0" y="0"/>
+          <a:chExt cx="0" cy="0"/>
+        </a:xfrm>
+      </p:grpSpPr>
+      <p:sp>
+        <p:nvSpPr>
+          <p:cNvPr id="2" name="Title 1"/>
+          <p:cNvSpPr>
+            <a:spLocks noGrp="1"/>
+          </p:cNvSpPr>
+          <p:nvPr>
+            <p:ph type="title"/>
+          </p:nvPr>
+        </p:nvSpPr>
+        <p:spPr>
+          <a:xfrm>
+            <a:off x="6843958" y="2549912"/>
+            <a:ext cx="3136383" cy="996176"/>
+          </a:xfrm>
+        </p:spPr>
+        <p:txBody>
+          <a:bodyPr>
+            <a:normAutofit/>
+          </a:bodyPr>
+          <a:lstStyle/>
+          <a:p>
+            <a:r>
+              <a:rPr lang="en-GB" sz="4800" dirty="0" smtClean="0">
+                <a:solidFill>
+                  <a:schemeClr val="tx1"/>
+                </a:solidFill>
+              </a:rPr>
+              <a:t>Visual Map</a:t>
+            </a:r>
+            <a:endParaRPr lang="en-GB" sz="4800" dirty="0">
+              <a:solidFill>
+                <a:schemeClr val="tx1"/>
+              </a:solidFill>
+            </a:endParaRPr>
+          </a:p>
+        </p:txBody>
+      </p:sp>
+      <p:pic>
+        <p:nvPicPr>
+          <p:cNvPr id="5" name="Picture 4"/>
+          <p:cNvPicPr>
+            <a:picLocks noChangeAspect="1"/>
+          </p:cNvPicPr>
+          <p:nvPr/>
+        </p:nvPicPr>
+        <p:blipFill>
+          <a:blip r:embed="rId2">
+            <a:clrChange>
+              <a:clrFrom>
+                <a:srgbClr val="FFFFFF"/>
+              </a:clrFrom>
+              <a:clrTo>
+                <a:srgbClr val="FFFFFF">
+                  <a:alpha val="0"/>
+                </a:srgbClr>
+              </a:clrTo>
+            </a:clrChange>
+          </a:blip>
+          <a:stretch>
+            <a:fillRect/>
+          </a:stretch>
+        </p:blipFill>
+        <p:spPr>
+          <a:xfrm>
+            <a:off x="735980" y="-302413"/>
+            <a:ext cx="6322742" cy="7026234"/>
+          </a:xfrm>
+          <a:prstGeom prst="rect">
+            <a:avLst/>
+          </a:prstGeom>
+        </p:spPr>
+      </p:pic>
+    </p:spTree>
+    <p:extLst>
+      <p:ext uri="{BB962C8B-B14F-4D97-AF65-F5344CB8AC3E}">
+        <p14:creationId xmlns:p14="http://schemas.microsoft.com/office/powerpoint/2010/main" val="2488672299"/>
+      </p:ext>
+    </p:extLst>
+  </p:cSld>
+  <p:clrMapOvr>
+    <a:masterClrMapping/>
+  </p:clrMapOvr>
+  <p:timing>
+    <p:tnLst>
+      <p:par>
+        <p:cTn id="1" dur="indefinite" restart="never" nodeType="tmRoot"/>
+      </p:par>
+    </p:tnLst>
+  </p:timing>
+</p:sld>
+</file>
+
+<file path=ppt/slides/slide5.xml><?xml version="1.0" encoding="utf-8"?>
+<p:sld xmlns:a="http://schemas.openxmlformats.org/drawingml/2006/main" xmlns:r="http://schemas.openxmlformats.org/officeDocument/2006/relationships" xmlns:p="http://schemas.openxmlformats.org/presentationml/2006/main">
+  <p:cSld>
+    <p:spTree>
+      <p:nvGrpSpPr>
+        <p:cNvPr id="1" name=""/>
+        <p:cNvGrpSpPr/>
+        <p:nvPr/>
+      </p:nvGrpSpPr>
+      <p:grpSpPr>
+        <a:xfrm>
+          <a:off x="0" y="0"/>
+          <a:ext cx="0" cy="0"/>
+          <a:chOff x="0" y="0"/>
+          <a:chExt cx="0" cy="0"/>
+        </a:xfrm>
+      </p:grpSpPr>
+      <p:sp>
+        <p:nvSpPr>
+          <p:cNvPr id="2" name="Title 1"/>
+          <p:cNvSpPr>
+            <a:spLocks noGrp="1"/>
+          </p:cNvSpPr>
+          <p:nvPr>
+            <p:ph type="title"/>
+          </p:nvPr>
+        </p:nvSpPr>
+        <p:spPr/>
+        <p:txBody>
+          <a:bodyPr>
+            <a:normAutofit/>
+          </a:bodyPr>
+          <a:lstStyle/>
+          <a:p>
+            <a:r>
+              <a:rPr lang="en-GB" sz="4800" i="1" dirty="0" err="1" smtClean="0">
+                <a:solidFill>
+                  <a:schemeClr val="tx1"/>
+                </a:solidFill>
+              </a:rPr>
+              <a:t>def</a:t>
+            </a:r>
+            <a:r>
+              <a:rPr lang="en-GB" sz="4800" dirty="0" smtClean="0">
+                <a:solidFill>
+                  <a:schemeClr val="tx1"/>
+                </a:solidFill>
+              </a:rPr>
+              <a:t> </a:t>
+            </a:r>
+            <a:r>
+              <a:rPr lang="en-GB" sz="4800" dirty="0" err="1" smtClean="0">
+                <a:solidFill>
+                  <a:schemeClr val="tx1"/>
+                </a:solidFill>
+              </a:rPr>
+              <a:t>eat_choc</a:t>
+            </a:r>
+            <a:r>
+              <a:rPr lang="en-GB" sz="4800" dirty="0" smtClean="0">
+                <a:solidFill>
+                  <a:schemeClr val="tx1"/>
+                </a:solidFill>
+              </a:rPr>
+              <a:t>():</a:t>
+            </a:r>
+            <a:endParaRPr lang="en-GB" sz="4800" dirty="0">
+              <a:solidFill>
+                <a:schemeClr val="tx1"/>
+              </a:solidFill>
+            </a:endParaRPr>
+          </a:p>
+        </p:txBody>
+      </p:sp>
+      <p:pic>
+        <p:nvPicPr>
+          <p:cNvPr id="4" name="Picture 3"/>
+          <p:cNvPicPr>
+            <a:picLocks noChangeAspect="1"/>
+          </p:cNvPicPr>
+          <p:nvPr/>
+        </p:nvPicPr>
+        <p:blipFill rotWithShape="1">
+          <a:blip r:embed="rId2"/>
+          <a:srcRect l="12907" t="33323" r="49023" b="33017"/>
+          <a:stretch/>
+        </p:blipFill>
+        <p:spPr>
+          <a:xfrm>
+            <a:off x="590708" y="1697680"/>
+            <a:ext cx="8683294" cy="4318657"/>
+          </a:xfrm>
+          <a:prstGeom prst="rect">
+            <a:avLst/>
+          </a:prstGeom>
+        </p:spPr>
+      </p:pic>
+    </p:spTree>
+    <p:extLst>
+      <p:ext uri="{BB962C8B-B14F-4D97-AF65-F5344CB8AC3E}">
+        <p14:creationId xmlns:p14="http://schemas.microsoft.com/office/powerpoint/2010/main" val="4173103084"/>
+      </p:ext>
+    </p:extLst>
+  </p:cSld>
+  <p:clrMapOvr>
+    <a:masterClrMapping/>
+  </p:clrMapOvr>
+  <mc:AlternateContent xmlns:mc="http://schemas.openxmlformats.org/markup-compatibility/2006" xmlns:p14="http://schemas.microsoft.com/office/powerpoint/2010/main">
+    <mc:Choice Requires="p14">
+      <p:transition spd="med" p14:dur="700">
+        <p:fade/>
+      </p:transition>
+    </mc:Choice>
+    <mc:Fallback xmlns="">
+      <p:transition spd="med">
+        <p:fade/>
+      </p:transition>
+    </mc:Fallback>
+  </mc:AlternateContent>
+  <p:timing>
+    <p:tnLst>
+      <p:par>
+        <p:cTn id="1" dur="indefinite" restart="never" nodeType="tmRoot">
+          <p:childTnLst>
+            <p:seq concurrent="1" nextAc="seek">
+              <p:cTn id="2" dur="indefinite" nodeType="mainSeq">
+                <p:childTnLst>
+                  <p:par>
+                    <p:cTn id="3" fill="hold">
+                      <p:stCondLst>
+                        <p:cond delay="indefinite"/>
+                      </p:stCondLst>
+                      <p:childTnLst>
+                        <p:par>
+                          <p:cTn id="4" fill="hold">
+                            <p:stCondLst>
+                              <p:cond delay="0"/>
+                            </p:stCondLst>
+                            <p:childTnLst>
+                              <p:par>
+                                <p:cTn id="5" presetID="10" presetClass="entr" presetSubtype="0" fill="hold" grpId="0" nodeType="clickEffect">
+                                  <p:stCondLst>
+                                    <p:cond delay="0"/>
+                                  </p:stCondLst>
+                                  <p:childTnLst>
+                                    <p:set>
+                                      <p:cBhvr>
+                                        <p:cTn id="6" dur="1" fill="hold">
+                                          <p:stCondLst>
+                                            <p:cond delay="0"/>
+                                          </p:stCondLst>
+                                        </p:cTn>
+                                        <p:tgtEl>
+                                          <p:spTgt spid="2"/>
+                                        </p:tgtEl>
+                                        <p:attrNameLst>
+                                          <p:attrName>style.visibility</p:attrName>
+                                        </p:attrNameLst>
+                                      </p:cBhvr>
+                                      <p:to>
+                                        <p:strVal val="visible"/>
+                                      </p:to>
+                                    </p:set>
+                                    <p:animEffect transition="in" filter="fade">
+                                      <p:cBhvr>
+                                        <p:cTn id="7" dur="500"/>
+                                        <p:tgtEl>
+                                          <p:spTgt spid="2"/>
+                                        </p:tgtEl>
+                                      </p:cBhvr>
+                                    </p:animEffect>
+                                  </p:childTnLst>
+                                </p:cTn>
+                              </p:par>
+                            </p:childTnLst>
+                          </p:cTn>
+                        </p:par>
+                      </p:childTnLst>
+                    </p:cTn>
+                  </p:par>
+                  <p:par>
+                    <p:cTn id="8" fill="hold">
+                      <p:stCondLst>
+                        <p:cond delay="indefinite"/>
+                      </p:stCondLst>
+                      <p:childTnLst>
+                        <p:par>
+                          <p:cTn id="9" fill="hold">
+                            <p:stCondLst>
+                              <p:cond delay="0"/>
+                            </p:stCondLst>
+                            <p:childTnLst>
+                              <p:par>
+                                <p:cTn id="10" presetID="10" presetClass="entr" presetSubtype="0" fill="hold" nodeType="clickEffect">
+                                  <p:stCondLst>
+                                    <p:cond delay="0"/>
+                                  </p:stCondLst>
+                                  <p:childTnLst>
+                                    <p:set>
+                                      <p:cBhvr>
+                                        <p:cTn id="11" dur="1" fill="hold">
+                                          <p:stCondLst>
+                                            <p:cond delay="0"/>
+                                          </p:stCondLst>
+                                        </p:cTn>
+                                        <p:tgtEl>
+                                          <p:spTgt spid="4"/>
+                                        </p:tgtEl>
+                                        <p:attrNameLst>
+                                          <p:attrName>style.visibility</p:attrName>
+                                        </p:attrNameLst>
+                                      </p:cBhvr>
+                                      <p:to>
+                                        <p:strVal val="visible"/>
+                                      </p:to>
+                                    </p:set>
+                                    <p:animEffect transition="in" filter="fade">
+                                      <p:cBhvr>
+                                        <p:cTn id="12" dur="500"/>
+                                        <p:tgtEl>
+                                          <p:spTgt spid="4"/>
+                                        </p:tgtEl>
+                                      </p:cBhvr>
+                                    </p:animEffect>
+                                  </p:childTnLst>
+                                </p:cTn>
+                              </p:par>
+                            </p:childTnLst>
+                          </p:cTn>
+                        </p:par>
+                      </p:childTnLst>
+                    </p:cTn>
+                  </p:par>
+                </p:childTnLst>
+              </p:cTn>
+              <p:prevCondLst>
+                <p:cond evt="onPrev" delay="0">
+                  <p:tgtEl>
+                    <p:sldTgt/>
+                  </p:tgtEl>
+                </p:cond>
+              </p:prevCondLst>
+              <p:nextCondLst>
+                <p:cond evt="onNext" delay="0">
+                  <p:tgtEl>
+                    <p:sldTgt/>
+                  </p:tgtEl>
+                </p:cond>
+              </p:nextCondLst>
+            </p:seq>
+          </p:childTnLst>
+        </p:cTn>
+      </p:par>
+    </p:tnLst>
+    <p:bldLst>
+      <p:bldP spid="2" grpId="0"/>
+    </p:bldLst>
+  </p:timing>
+</p:sld>
+</file>
+
+<file path=ppt/slides/slide6.xml><?xml version="1.0" encoding="utf-8"?>
+<p:sld xmlns:a="http://schemas.openxmlformats.org/drawingml/2006/main" xmlns:r="http://schemas.openxmlformats.org/officeDocument/2006/relationships" xmlns:p="http://schemas.openxmlformats.org/presentationml/2006/main">
+  <p:cSld>
+    <p:spTree>
+      <p:nvGrpSpPr>
+        <p:cNvPr id="1" name=""/>
+        <p:cNvGrpSpPr/>
+        <p:nvPr/>
+      </p:nvGrpSpPr>
+      <p:grpSpPr>
+        <a:xfrm>
+          <a:off x="0" y="0"/>
+          <a:ext cx="0" cy="0"/>
+          <a:chOff x="0" y="0"/>
+          <a:chExt cx="0" cy="0"/>
+        </a:xfrm>
+      </p:grpSpPr>
+      <p:sp>
+        <p:nvSpPr>
+          <p:cNvPr id="4" name="Title 1"/>
+          <p:cNvSpPr>
+            <a:spLocks noGrp="1"/>
+          </p:cNvSpPr>
+          <p:nvPr>
+            <p:ph type="title"/>
+          </p:nvPr>
+        </p:nvSpPr>
+        <p:spPr>
+          <a:xfrm>
+            <a:off x="677334" y="609600"/>
+            <a:ext cx="8596668" cy="1320800"/>
+          </a:xfrm>
+        </p:spPr>
+        <p:txBody>
+          <a:bodyPr>
+            <a:normAutofit/>
+          </a:bodyPr>
+          <a:lstStyle/>
+          <a:p>
+            <a:r>
+              <a:rPr lang="en-GB" sz="4800" i="1" dirty="0" err="1">
+                <a:solidFill>
+                  <a:schemeClr val="tx1"/>
+                </a:solidFill>
+              </a:rPr>
+              <a:t>def</a:t>
+            </a:r>
+            <a:r>
+              <a:rPr lang="en-GB" sz="4800" dirty="0">
+                <a:solidFill>
+                  <a:schemeClr val="tx1"/>
+                </a:solidFill>
+              </a:rPr>
+              <a:t> </a:t>
+            </a:r>
+            <a:r>
+              <a:rPr lang="en-GB" sz="4800" dirty="0" err="1" smtClean="0">
+                <a:solidFill>
+                  <a:schemeClr val="tx1"/>
+                </a:solidFill>
+              </a:rPr>
+              <a:t>health_is</a:t>
+            </a:r>
+            <a:r>
+              <a:rPr lang="en-GB" sz="4800" dirty="0" smtClean="0">
+                <a:solidFill>
+                  <a:schemeClr val="tx1"/>
+                </a:solidFill>
+              </a:rPr>
+              <a:t>(health, room):</a:t>
+            </a:r>
+            <a:endParaRPr lang="en-GB" sz="4800" dirty="0">
+              <a:solidFill>
+                <a:schemeClr val="tx1"/>
+              </a:solidFill>
+            </a:endParaRPr>
+          </a:p>
+        </p:txBody>
+      </p:sp>
+      <p:pic>
+        <p:nvPicPr>
+          <p:cNvPr id="5" name="Picture 4"/>
+          <p:cNvPicPr>
+            <a:picLocks noChangeAspect="1"/>
+          </p:cNvPicPr>
+          <p:nvPr/>
+        </p:nvPicPr>
+        <p:blipFill rotWithShape="1">
+          <a:blip r:embed="rId2"/>
+          <a:srcRect l="12511" t="37039" r="43954" b="41719"/>
+          <a:stretch/>
+        </p:blipFill>
+        <p:spPr>
+          <a:xfrm>
+            <a:off x="521470" y="2358736"/>
+            <a:ext cx="8674486" cy="2380789"/>
+          </a:xfrm>
+          <a:prstGeom prst="rect">
+            <a:avLst/>
+          </a:prstGeom>
+        </p:spPr>
+      </p:pic>
+    </p:spTree>
+    <p:extLst>
+      <p:ext uri="{BB962C8B-B14F-4D97-AF65-F5344CB8AC3E}">
+        <p14:creationId xmlns:p14="http://schemas.microsoft.com/office/powerpoint/2010/main" val="4287759813"/>
+      </p:ext>
+    </p:extLst>
+  </p:cSld>
+  <p:clrMapOvr>
+    <a:masterClrMapping/>
+  </p:clrMapOvr>
+  <p:timing>
+    <p:tnLst>
+      <p:par>
+        <p:cTn id="1" dur="indefinite" restart="never" nodeType="tmRoot">
+          <p:childTnLst>
+            <p:seq concurrent="1" nextAc="seek">
+              <p:cTn id="2" dur="indefinite" nodeType="mainSeq">
+                <p:childTnLst>
+                  <p:par>
+                    <p:cTn id="3" fill="hold">
+                      <p:stCondLst>
+                        <p:cond delay="indefinite"/>
+                      </p:stCondLst>
+                      <p:childTnLst>
+                        <p:par>
+                          <p:cTn id="4" fill="hold">
+                            <p:stCondLst>
+                              <p:cond delay="0"/>
+                            </p:stCondLst>
+                            <p:childTnLst>
+                              <p:par>
+                                <p:cTn id="5" presetID="10" presetClass="entr" presetSubtype="0" fill="hold" grpId="0" nodeType="clickEffect">
+                                  <p:stCondLst>
+                                    <p:cond delay="0"/>
+                                  </p:stCondLst>
+                                  <p:childTnLst>
+                                    <p:set>
+                                      <p:cBhvr>
+                                        <p:cTn id="6" dur="1" fill="hold">
+                                          <p:stCondLst>
+                                            <p:cond delay="0"/>
+                                          </p:stCondLst>
+                                        </p:cTn>
+                                        <p:tgtEl>
+                                          <p:spTgt spid="4"/>
+                                        </p:tgtEl>
+                                        <p:attrNameLst>
+                                          <p:attrName>style.visibility</p:attrName>
+                                        </p:attrNameLst>
+                                      </p:cBhvr>
+                                      <p:to>
+                                        <p:strVal val="visible"/>
+                                      </p:to>
+                                    </p:set>
+                                    <p:animEffect transition="in" filter="fade">
+                                      <p:cBhvr>
+                                        <p:cTn id="7" dur="500"/>
+                                        <p:tgtEl>
+                                          <p:spTgt spid="4"/>
+                                        </p:tgtEl>
+                                      </p:cBhvr>
+                                    </p:animEffect>
+                                  </p:childTnLst>
+                                </p:cTn>
+                              </p:par>
+                            </p:childTnLst>
+                          </p:cTn>
+                        </p:par>
+                      </p:childTnLst>
+                    </p:cTn>
+                  </p:par>
+                  <p:par>
+                    <p:cTn id="8" fill="hold">
+                      <p:stCondLst>
+                        <p:cond delay="indefinite"/>
+                      </p:stCondLst>
+                      <p:childTnLst>
+                        <p:par>
+                          <p:cTn id="9" fill="hold">
+                            <p:stCondLst>
+                              <p:cond delay="0"/>
+                            </p:stCondLst>
+                            <p:childTnLst>
+                              <p:par>
+                                <p:cTn id="10" presetID="10" presetClass="entr" presetSubtype="0" fill="hold" nodeType="clickEffect">
+                                  <p:stCondLst>
+                                    <p:cond delay="0"/>
+                                  </p:stCondLst>
+                                  <p:childTnLst>
+                                    <p:set>
+                                      <p:cBhvr>
+                                        <p:cTn id="11" dur="1" fill="hold">
+                                          <p:stCondLst>
+                                            <p:cond delay="0"/>
+                                          </p:stCondLst>
+                                        </p:cTn>
+                                        <p:tgtEl>
+                                          <p:spTgt spid="5"/>
+                                        </p:tgtEl>
+                                        <p:attrNameLst>
+                                          <p:attrName>style.visibility</p:attrName>
+                                        </p:attrNameLst>
+                                      </p:cBhvr>
+                                      <p:to>
+                                        <p:strVal val="visible"/>
+                                      </p:to>
+                                    </p:set>
+                                    <p:animEffect transition="in" filter="fade">
+                                      <p:cBhvr>
+                                        <p:cTn id="12" dur="500"/>
+                                        <p:tgtEl>
+                                          <p:spTgt spid="5"/>
+                                        </p:tgtEl>
+                                      </p:cBhvr>
+                                    </p:animEffect>
+                                  </p:childTnLst>
+                                </p:cTn>
+                              </p:par>
+                            </p:childTnLst>
+                          </p:cTn>
+                        </p:par>
+                      </p:childTnLst>
+                    </p:cTn>
+                  </p:par>
+                </p:childTnLst>
+              </p:cTn>
+              <p:prevCondLst>
+                <p:cond evt="onPrev" delay="0">
+                  <p:tgtEl>
+                    <p:sldTgt/>
+                  </p:tgtEl>
+                </p:cond>
+              </p:prevCondLst>
+              <p:nextCondLst>
+                <p:cond evt="onNext" delay="0">
+                  <p:tgtEl>
+                    <p:sldTgt/>
+                  </p:tgtEl>
+                </p:cond>
+              </p:nextCondLst>
+            </p:seq>
+          </p:childTnLst>
+        </p:cTn>
+      </p:par>
+    </p:tnLst>
+    <p:bldLst>
+      <p:bldP spid="4" grpId="0"/>
+    </p:bldLst>
+  </p:timing>
+</p:sld>
+</file>
+
+<file path=ppt/slides/slide7.xml><?xml version="1.0" encoding="utf-8"?>
+<p:sld xmlns:a="http://schemas.openxmlformats.org/drawingml/2006/main" xmlns:r="http://schemas.openxmlformats.org/officeDocument/2006/relationships" xmlns:p="http://schemas.openxmlformats.org/presentationml/2006/main">
+  <p:cSld>
+    <p:spTree>
+      <p:nvGrpSpPr>
+        <p:cNvPr id="1" name=""/>
+        <p:cNvGrpSpPr/>
+        <p:nvPr/>
+      </p:nvGrpSpPr>
+      <p:grpSpPr>
+        <a:xfrm>
+          <a:off x="0" y="0"/>
+          <a:ext cx="0" cy="0"/>
+          <a:chOff x="0" y="0"/>
+          <a:chExt cx="0" cy="0"/>
+        </a:xfrm>
+      </p:grpSpPr>
+      <p:sp>
+        <p:nvSpPr>
+          <p:cNvPr id="2" name="Title 1"/>
+          <p:cNvSpPr>
+            <a:spLocks noGrp="1"/>
+          </p:cNvSpPr>
+          <p:nvPr>
+            <p:ph type="title"/>
+          </p:nvPr>
+        </p:nvSpPr>
+        <p:spPr/>
+        <p:txBody>
+          <a:bodyPr>
+            <a:noAutofit/>
+          </a:bodyPr>
+          <a:lstStyle/>
+          <a:p>
+            <a:r>
+              <a:rPr lang="en-GB" sz="4500" i="1" dirty="0" err="1">
+                <a:solidFill>
+                  <a:schemeClr val="tx1"/>
+                </a:solidFill>
+              </a:rPr>
+              <a:t>def</a:t>
+            </a:r>
+            <a:r>
+              <a:rPr lang="en-GB" sz="4500" dirty="0">
+                <a:solidFill>
+                  <a:schemeClr val="tx1"/>
+                </a:solidFill>
+              </a:rPr>
+              <a:t> </a:t>
+            </a:r>
+            <a:r>
+              <a:rPr lang="en-GB" sz="4500" dirty="0" err="1" smtClean="0">
+                <a:solidFill>
+                  <a:schemeClr val="tx1"/>
+                </a:solidFill>
+              </a:rPr>
+              <a:t>random_place_choc</a:t>
+            </a:r>
+            <a:r>
+              <a:rPr lang="en-GB" sz="4500" dirty="0" smtClean="0">
+                <a:solidFill>
+                  <a:schemeClr val="tx1"/>
+                </a:solidFill>
+              </a:rPr>
+              <a:t>(rooms):</a:t>
+            </a:r>
+            <a:endParaRPr lang="en-GB" sz="4500" dirty="0"/>
+          </a:p>
+        </p:txBody>
+      </p:sp>
+      <p:pic>
+        <p:nvPicPr>
+          <p:cNvPr id="4" name="Picture 3"/>
+          <p:cNvPicPr>
+            <a:picLocks noChangeAspect="1"/>
+          </p:cNvPicPr>
+          <p:nvPr/>
+        </p:nvPicPr>
+        <p:blipFill rotWithShape="1">
+          <a:blip r:embed="rId2"/>
+          <a:srcRect l="12792" t="23153" r="36418" b="24558"/>
+          <a:stretch/>
+        </p:blipFill>
+        <p:spPr>
+          <a:xfrm>
+            <a:off x="728608" y="1554610"/>
+            <a:ext cx="8494119" cy="4918926"/>
+          </a:xfrm>
+          <a:prstGeom prst="rect">
+            <a:avLst/>
+          </a:prstGeom>
+        </p:spPr>
+      </p:pic>
+    </p:spTree>
+    <p:extLst>
+      <p:ext uri="{BB962C8B-B14F-4D97-AF65-F5344CB8AC3E}">
+        <p14:creationId xmlns:p14="http://schemas.microsoft.com/office/powerpoint/2010/main" val="744560882"/>
+      </p:ext>
+    </p:extLst>
+  </p:cSld>
+  <p:clrMapOvr>
+    <a:masterClrMapping/>
+  </p:clrMapOvr>
+  <p:timing>
+    <p:tnLst>
+      <p:par>
+        <p:cTn id="1" dur="indefinite" restart="never" nodeType="tmRoot">
+          <p:childTnLst>
+            <p:seq concurrent="1" nextAc="seek">
+              <p:cTn id="2" dur="indefinite" nodeType="mainSeq">
+                <p:childTnLst>
+                  <p:par>
+                    <p:cTn id="3" fill="hold">
+                      <p:stCondLst>
+                        <p:cond delay="indefinite"/>
+                      </p:stCondLst>
+                      <p:childTnLst>
+                        <p:par>
+                          <p:cTn id="4" fill="hold">
+                            <p:stCondLst>
+                              <p:cond delay="0"/>
+                            </p:stCondLst>
+                            <p:childTnLst>
+                              <p:par>
+                                <p:cTn id="5" presetID="10" presetClass="entr" presetSubtype="0" fill="hold" grpId="0" nodeType="clickEffect">
+                                  <p:stCondLst>
+                                    <p:cond delay="0"/>
+                                  </p:stCondLst>
+                                  <p:childTnLst>
+                                    <p:set>
+                                      <p:cBhvr>
+                                        <p:cTn id="6" dur="1" fill="hold">
+                                          <p:stCondLst>
+                                            <p:cond delay="0"/>
+                                          </p:stCondLst>
+                                        </p:cTn>
+                                        <p:tgtEl>
+                                          <p:spTgt spid="2"/>
+                                        </p:tgtEl>
+                                        <p:attrNameLst>
+                                          <p:attrName>style.visibility</p:attrName>
+                                        </p:attrNameLst>
+                                      </p:cBhvr>
+                                      <p:to>
+                                        <p:strVal val="visible"/>
+                                      </p:to>
+                                    </p:set>
+                                    <p:animEffect transition="in" filter="fade">
+                                      <p:cBhvr>
+                                        <p:cTn id="7" dur="500"/>
+                                        <p:tgtEl>
+                                          <p:spTgt spid="2"/>
+                                        </p:tgtEl>
+                                      </p:cBhvr>
+                                    </p:animEffect>
+                                  </p:childTnLst>
+                                </p:cTn>
+                              </p:par>
+                            </p:childTnLst>
+                          </p:cTn>
+                        </p:par>
+                      </p:childTnLst>
+                    </p:cTn>
+                  </p:par>
+                  <p:par>
+                    <p:cTn id="8" fill="hold">
+                      <p:stCondLst>
+                        <p:cond delay="indefinite"/>
+                      </p:stCondLst>
+                      <p:childTnLst>
+                        <p:par>
+                          <p:cTn id="9" fill="hold">
+                            <p:stCondLst>
+                              <p:cond delay="0"/>
+                            </p:stCondLst>
+                            <p:childTnLst>
+                              <p:par>
+                                <p:cTn id="10" presetID="10" presetClass="entr" presetSubtype="0" fill="hold" nodeType="clickEffect">
+                                  <p:stCondLst>
+                                    <p:cond delay="0"/>
+                                  </p:stCondLst>
+                                  <p:childTnLst>
+                                    <p:set>
+                                      <p:cBhvr>
+                                        <p:cTn id="11" dur="1" fill="hold">
+                                          <p:stCondLst>
+                                            <p:cond delay="0"/>
+                                          </p:stCondLst>
+                                        </p:cTn>
+                                        <p:tgtEl>
+                                          <p:spTgt spid="4"/>
+                                        </p:tgtEl>
+                                        <p:attrNameLst>
+                                          <p:attrName>style.visibility</p:attrName>
+                                        </p:attrNameLst>
+                                      </p:cBhvr>
+                                      <p:to>
+                                        <p:strVal val="visible"/>
+                                      </p:to>
+                                    </p:set>
+                                    <p:animEffect transition="in" filter="fade">
+                                      <p:cBhvr>
+                                        <p:cTn id="12" dur="500"/>
+                                        <p:tgtEl>
+                                          <p:spTgt spid="4"/>
+                                        </p:tgtEl>
+                                      </p:cBhvr>
+                                    </p:animEffect>
+                                  </p:childTnLst>
+                                </p:cTn>
+                              </p:par>
+                            </p:childTnLst>
+                          </p:cTn>
+                        </p:par>
+                      </p:childTnLst>
+                    </p:cTn>
+                  </p:par>
+                </p:childTnLst>
+              </p:cTn>
+              <p:prevCondLst>
+                <p:cond evt="onPrev" delay="0">
+                  <p:tgtEl>
+                    <p:sldTgt/>
+                  </p:tgtEl>
+                </p:cond>
+              </p:prevCondLst>
+              <p:nextCondLst>
+                <p:cond evt="onNext" delay="0">
+                  <p:tgtEl>
+                    <p:sldTgt/>
+                  </p:tgtEl>
+                </p:cond>
+              </p:nextCondLst>
+            </p:seq>
+          </p:childTnLst>
+        </p:cTn>
+      </p:par>
+    </p:tnLst>
+    <p:bldLst>
+      <p:bldP spid="2" grpId="0"/>
+    </p:bldLst>
+  </p:timing>
+</p:sld>
+</file>
+
+<file path=ppt/slides/slide8.xml><?xml version="1.0" encoding="utf-8"?>
+<p:sld xmlns:a="http://schemas.openxmlformats.org/drawingml/2006/main" xmlns:r="http://schemas.openxmlformats.org/officeDocument/2006/relationships" xmlns:p="http://schemas.openxmlformats.org/presentationml/2006/main">
+  <p:cSld>
+    <p:spTree>
+      <p:nvGrpSpPr>
+        <p:cNvPr id="1" name=""/>
+        <p:cNvGrpSpPr/>
+        <p:nvPr/>
+      </p:nvGrpSpPr>
+      <p:grpSpPr>
+        <a:xfrm>
+          <a:off x="0" y="0"/>
+          <a:ext cx="0" cy="0"/>
+          <a:chOff x="0" y="0"/>
+          <a:chExt cx="0" cy="0"/>
+        </a:xfrm>
+      </p:grpSpPr>
+      <p:sp>
+        <p:nvSpPr>
+          <p:cNvPr id="2" name="Title 1"/>
+          <p:cNvSpPr>
+            <a:spLocks noGrp="1"/>
+          </p:cNvSpPr>
+          <p:nvPr>
+            <p:ph type="title"/>
+          </p:nvPr>
+        </p:nvSpPr>
+        <p:spPr/>
+        <p:txBody>
+          <a:bodyPr>
+            <a:normAutofit/>
+          </a:bodyPr>
+          <a:lstStyle/>
+          <a:p>
+            <a:r>
+              <a:rPr lang="en-GB" sz="4800" dirty="0" smtClean="0">
+                <a:solidFill>
+                  <a:schemeClr val="tx1"/>
+                </a:solidFill>
+              </a:rPr>
+              <a:t>Inventory Functions</a:t>
+            </a:r>
+            <a:endParaRPr lang="en-GB" sz="4800" dirty="0">
+              <a:solidFill>
+                <a:schemeClr val="tx1"/>
+              </a:solidFill>
+            </a:endParaRPr>
+          </a:p>
+        </p:txBody>
+      </p:sp>
+      <p:pic>
+        <p:nvPicPr>
+          <p:cNvPr id="4" name="Picture 3"/>
+          <p:cNvPicPr>
+            <a:picLocks noChangeAspect="1"/>
+          </p:cNvPicPr>
+          <p:nvPr/>
+        </p:nvPicPr>
+        <p:blipFill rotWithShape="1">
+          <a:blip r:embed="rId2"/>
+          <a:srcRect l="12930" t="24016" r="47861" b="34724"/>
+          <a:stretch/>
+        </p:blipFill>
+        <p:spPr>
+          <a:xfrm>
+            <a:off x="677334" y="1548246"/>
+            <a:ext cx="8289582" cy="4906882"/>
+          </a:xfrm>
+          <a:prstGeom prst="rect">
+            <a:avLst/>
+          </a:prstGeom>
+        </p:spPr>
+      </p:pic>
+    </p:spTree>
+    <p:extLst>
+      <p:ext uri="{BB962C8B-B14F-4D97-AF65-F5344CB8AC3E}">
+        <p14:creationId xmlns:p14="http://schemas.microsoft.com/office/powerpoint/2010/main" val="354524884"/>
+      </p:ext>
+    </p:extLst>
+  </p:cSld>
+  <p:clrMapOvr>
+    <a:masterClrMapping/>
+  </p:clrMapOvr>
+  <p:timing>
+    <p:tnLst>
+      <p:par>
+        <p:cTn id="1" dur="indefinite" restart="never" nodeType="tmRoot">
+          <p:childTnLst>
+            <p:seq concurrent="1" nextAc="seek">
+              <p:cTn id="2" dur="indefinite" nodeType="mainSeq">
+                <p:childTnLst>
+                  <p:par>
+                    <p:cTn id="3" fill="hold">
+                      <p:stCondLst>
+                        <p:cond delay="indefinite"/>
+                      </p:stCondLst>
+                      <p:childTnLst>
+                        <p:par>
+                          <p:cTn id="4" fill="hold">
+                            <p:stCondLst>
+                              <p:cond delay="0"/>
+                            </p:stCondLst>
+                            <p:childTnLst>
+                              <p:par>
+                                <p:cTn id="5" presetID="10" presetClass="entr" presetSubtype="0" fill="hold" grpId="0" nodeType="clickEffect">
+                                  <p:stCondLst>
+                                    <p:cond delay="0"/>
+                                  </p:stCondLst>
+                                  <p:childTnLst>
+                                    <p:set>
+                                      <p:cBhvr>
+                                        <p:cTn id="6" dur="1" fill="hold">
+                                          <p:stCondLst>
+                                            <p:cond delay="0"/>
+                                          </p:stCondLst>
+                                        </p:cTn>
+                                        <p:tgtEl>
+                                          <p:spTgt spid="2"/>
+                                        </p:tgtEl>
+                                        <p:attrNameLst>
+                                          <p:attrName>style.visibility</p:attrName>
+                                        </p:attrNameLst>
+                                      </p:cBhvr>
+                                      <p:to>
+                                        <p:strVal val="visible"/>
+                                      </p:to>
+                                    </p:set>
+                                    <p:animEffect transition="in" filter="fade">
+                                      <p:cBhvr>
+                                        <p:cTn id="7" dur="500"/>
+                                        <p:tgtEl>
+                                          <p:spTgt spid="2"/>
+                                        </p:tgtEl>
+                                      </p:cBhvr>
+                                    </p:animEffect>
+                                  </p:childTnLst>
+                                </p:cTn>
+                              </p:par>
+                            </p:childTnLst>
+                          </p:cTn>
+                        </p:par>
+                      </p:childTnLst>
+                    </p:cTn>
+                  </p:par>
+                  <p:par>
+                    <p:cTn id="8" fill="hold">
+                      <p:stCondLst>
+                        <p:cond delay="indefinite"/>
+                      </p:stCondLst>
+                      <p:childTnLst>
+                        <p:par>
+                          <p:cTn id="9" fill="hold">
+                            <p:stCondLst>
+                              <p:cond delay="0"/>
+                            </p:stCondLst>
+                            <p:childTnLst>
+                              <p:par>
+                                <p:cTn id="10" presetID="10" presetClass="entr" presetSubtype="0" fill="hold" nodeType="clickEffect">
+                                  <p:stCondLst>
+                                    <p:cond delay="0"/>
+                                  </p:stCondLst>
+                                  <p:childTnLst>
+                                    <p:set>
+                                      <p:cBhvr>
+                                        <p:cTn id="11" dur="1" fill="hold">
+                                          <p:stCondLst>
+                                            <p:cond delay="0"/>
+                                          </p:stCondLst>
+                                        </p:cTn>
+                                        <p:tgtEl>
+                                          <p:spTgt spid="4"/>
+                                        </p:tgtEl>
+                                        <p:attrNameLst>
+                                          <p:attrName>style.visibility</p:attrName>
+                                        </p:attrNameLst>
+                                      </p:cBhvr>
+                                      <p:to>
+                                        <p:strVal val="visible"/>
+                                      </p:to>
+                                    </p:set>
+                                    <p:animEffect transition="in" filter="fade">
+                                      <p:cBhvr>
+                                        <p:cTn id="12" dur="500"/>
+                                        <p:tgtEl>
+                                          <p:spTgt spid="4"/>
+                                        </p:tgtEl>
+                                      </p:cBhvr>
+                                    </p:animEffect>
+                                  </p:childTnLst>
+                                </p:cTn>
+                              </p:par>
+                            </p:childTnLst>
+                          </p:cTn>
+                        </p:par>
+                      </p:childTnLst>
+                    </p:cTn>
+                  </p:par>
+                </p:childTnLst>
+              </p:cTn>
+              <p:prevCondLst>
+                <p:cond evt="onPrev" delay="0">
+                  <p:tgtEl>
+                    <p:sldTgt/>
+                  </p:tgtEl>
+                </p:cond>
+              </p:prevCondLst>
+              <p:nextCondLst>
+                <p:cond evt="onNext" delay="0">
+                  <p:tgtEl>
+                    <p:sldTgt/>
+                  </p:tgtEl>
+                </p:cond>
+              </p:nextCondLst>
+            </p:seq>
+          </p:childTnLst>
+        </p:cTn>
+      </p:par>
+    </p:tnLst>
+    <p:bldLst>
+      <p:bldP spid="2" grpId="0"/>
+    </p:bldLst>
+  </p:timing>
+</p:sld>
+</file>
+
+<file path=ppt/slides/slide9.xml><?xml version="1.0" encoding="utf-8"?>
+<p:sld xmlns:a="http://schemas.openxmlformats.org/drawingml/2006/main" xmlns:r="http://schemas.openxmlformats.org/officeDocument/2006/relationships" xmlns:p="http://schemas.openxmlformats.org/presentationml/2006/main">
+  <p:cSld>
+    <p:spTree>
+      <p:nvGrpSpPr>
+        <p:cNvPr id="1" name=""/>
+        <p:cNvGrpSpPr/>
+        <p:nvPr/>
+      </p:nvGrpSpPr>
+      <p:grpSpPr>
+        <a:xfrm>
+          <a:off x="0" y="0"/>
+          <a:ext cx="0" cy="0"/>
+          <a:chOff x="0" y="0"/>
+          <a:chExt cx="0" cy="0"/>
+        </a:xfrm>
+      </p:grpSpPr>
+      <p:sp>
+        <p:nvSpPr>
+          <p:cNvPr id="2" name="Title 1"/>
+          <p:cNvSpPr>
+            <a:spLocks noGrp="1"/>
+          </p:cNvSpPr>
+          <p:nvPr>
+            <p:ph type="title"/>
+          </p:nvPr>
+        </p:nvSpPr>
+        <p:spPr/>
+        <p:txBody>
+          <a:bodyPr>
+            <a:normAutofit/>
+          </a:bodyPr>
+          <a:lstStyle/>
+          <a:p>
+            <a:r>
+              <a:rPr lang="en-GB" sz="4000" i="1" dirty="0" err="1">
+                <a:solidFill>
+                  <a:schemeClr val="tx1"/>
+                </a:solidFill>
+              </a:rPr>
+              <a:t>def</a:t>
+            </a:r>
+            <a:r>
+              <a:rPr lang="en-GB" sz="4000" dirty="0">
+                <a:solidFill>
+                  <a:schemeClr val="tx1"/>
+                </a:solidFill>
+              </a:rPr>
+              <a:t> </a:t>
+            </a:r>
+            <a:r>
+              <a:rPr lang="en-GB" sz="4000" dirty="0" err="1" smtClean="0">
+                <a:solidFill>
+                  <a:schemeClr val="tx1"/>
+                </a:solidFill>
+              </a:rPr>
+              <a:t>find_required_items</a:t>
+            </a:r>
+            <a:r>
+              <a:rPr lang="en-GB" sz="4000" dirty="0" smtClean="0">
+                <a:solidFill>
+                  <a:schemeClr val="tx1"/>
+                </a:solidFill>
+              </a:rPr>
+              <a:t>(inventory, </a:t>
+            </a:r>
+            <a:r>
+              <a:rPr lang="en-GB" sz="4000" dirty="0" err="1" smtClean="0">
+                <a:solidFill>
+                  <a:schemeClr val="tx1"/>
+                </a:solidFill>
+              </a:rPr>
+              <a:t>required_items</a:t>
+            </a:r>
+            <a:r>
+              <a:rPr lang="en-GB" sz="4000" dirty="0" smtClean="0">
+                <a:solidFill>
+                  <a:schemeClr val="tx1"/>
+                </a:solidFill>
+              </a:rPr>
+              <a:t>):</a:t>
+            </a:r>
+            <a:endParaRPr lang="en-GB" sz="4000" dirty="0">
+              <a:solidFill>
+                <a:schemeClr val="tx1"/>
+              </a:solidFill>
+            </a:endParaRPr>
+          </a:p>
+        </p:txBody>
+      </p:sp>
+      <p:pic>
+        <p:nvPicPr>
+          <p:cNvPr id="4" name="Picture 3"/>
+          <p:cNvPicPr>
+            <a:picLocks noChangeAspect="1"/>
+          </p:cNvPicPr>
+          <p:nvPr/>
+        </p:nvPicPr>
+        <p:blipFill rotWithShape="1">
+          <a:blip r:embed="rId2"/>
+          <a:srcRect l="12651" t="28976" r="41651" b="22899"/>
+          <a:stretch/>
+        </p:blipFill>
+        <p:spPr>
+          <a:xfrm>
+            <a:off x="812415" y="1930400"/>
+            <a:ext cx="7926340" cy="4695296"/>
+          </a:xfrm>
+          <a:prstGeom prst="rect">
+            <a:avLst/>
+          </a:prstGeom>
+        </p:spPr>
+      </p:pic>
+    </p:spTree>
+    <p:extLst>
+      <p:ext uri="{BB962C8B-B14F-4D97-AF65-F5344CB8AC3E}">
+        <p14:creationId xmlns:p14="http://schemas.microsoft.com/office/powerpoint/2010/main" val="675764695"/>
+      </p:ext>
+    </p:extLst>
+  </p:cSld>
+  <p:clrMapOvr>
+    <a:masterClrMapping/>
+  </p:clrMapOvr>
+  <p:timing>
+    <p:tnLst>
+      <p:par>
+        <p:cTn id="1" dur="indefinite" restart="never" nodeType="tmRoot">
+          <p:childTnLst>
+            <p:seq concurrent="1" nextAc="seek">
+              <p:cTn id="2" dur="indefinite" nodeType="mainSeq">
+                <p:childTnLst>
+                  <p:par>
+                    <p:cTn id="3" fill="hold">
+                      <p:stCondLst>
+                        <p:cond delay="indefinite"/>
+                      </p:stCondLst>
+                      <p:childTnLst>
+                        <p:par>
+                          <p:cTn id="4" fill="hold">
+                            <p:stCondLst>
+                              <p:cond delay="0"/>
+                            </p:stCondLst>
+                            <p:childTnLst>
+                              <p:par>
+                                <p:cTn id="5" presetID="10" presetClass="entr" presetSubtype="0" fill="hold" grpId="0" nodeType="clickEffect">
+                                  <p:stCondLst>
+                                    <p:cond delay="0"/>
+                                  </p:stCondLst>
+                                  <p:childTnLst>
+                                    <p:set>
+                                      <p:cBhvr>
+                                        <p:cTn id="6" dur="1" fill="hold">
+                                          <p:stCondLst>
+                                            <p:cond delay="0"/>
+                                          </p:stCondLst>
+                                        </p:cTn>
+                                        <p:tgtEl>
+                                          <p:spTgt spid="2"/>
+                                        </p:tgtEl>
+                                        <p:attrNameLst>
+                                          <p:attrName>style.visibility</p:attrName>
+                                        </p:attrNameLst>
+                                      </p:cBhvr>
+                                      <p:to>
+                                        <p:strVal val="visible"/>
+                                      </p:to>
+                                    </p:set>
+                                    <p:animEffect transition="in" filter="fade">
+                                      <p:cBhvr>
+                                        <p:cTn id="7" dur="500"/>
+                                        <p:tgtEl>
+                                          <p:spTgt spid="2"/>
+                                        </p:tgtEl>
+                                      </p:cBhvr>
+                                    </p:animEffect>
+                                  </p:childTnLst>
+                                </p:cTn>
+                              </p:par>
+                            </p:childTnLst>
+                          </p:cTn>
+                        </p:par>
+                      </p:childTnLst>
+                    </p:cTn>
+                  </p:par>
+                  <p:par>
+                    <p:cTn id="8" fill="hold">
+                      <p:stCondLst>
+                        <p:cond delay="indefinite"/>
+                      </p:stCondLst>
+                      <p:childTnLst>
+                        <p:par>
+                          <p:cTn id="9" fill="hold">
+                            <p:stCondLst>
+                              <p:cond delay="0"/>
+                            </p:stCondLst>
+                            <p:childTnLst>
+                              <p:par>
+                                <p:cTn id="10" presetID="10" presetClass="entr" presetSubtype="0" fill="hold" nodeType="clickEffect">
+                                  <p:stCondLst>
+                                    <p:cond delay="0"/>
+                                  </p:stCondLst>
+                                  <p:childTnLst>
+                                    <p:set>
+                                      <p:cBhvr>
+                                        <p:cTn id="11" dur="1" fill="hold">
+                                          <p:stCondLst>
+                                            <p:cond delay="0"/>
+                                          </p:stCondLst>
+                                        </p:cTn>
+                                        <p:tgtEl>
+                                          <p:spTgt spid="4"/>
+                                        </p:tgtEl>
+                                        <p:attrNameLst>
+                                          <p:attrName>style.visibility</p:attrName>
+                                        </p:attrNameLst>
+                                      </p:cBhvr>
+                                      <p:to>
+                                        <p:strVal val="visible"/>
+                                      </p:to>
+                                    </p:set>
+                                    <p:animEffect transition="in" filter="fade">
+                                      <p:cBhvr>
+                                        <p:cTn id="12" dur="500"/>
+                                        <p:tgtEl>
+                                          <p:spTgt spid="4"/>
+                                        </p:tgtEl>
+                                      </p:cBhvr>
+                                    </p:animEffect>
+                                  </p:childTnLst>
+                                </p:cTn>
+                              </p:par>
+                            </p:childTnLst>
+                          </p:cTn>
+                        </p:par>
+                      </p:childTnLst>
+                    </p:cTn>
+                  </p:par>
+                </p:childTnLst>
+              </p:cTn>
+              <p:prevCondLst>
+                <p:cond evt="onPrev" delay="0">
+                  <p:tgtEl>
+                    <p:sldTgt/>
+                  </p:tgtEl>
+                </p:cond>
+              </p:prevCondLst>
+              <p:nextCondLst>
+                <p:cond evt="onNext" delay="0">
+                  <p:tgtEl>
+                    <p:sldTgt/>
+                  </p:tgtEl>
+                </p:cond>
+              </p:nextCondLst>
+            </p:seq>
+          </p:childTnLst>
+        </p:cTn>
+      </p:par>
+    </p:tnLst>
+    <p:bldLst>
+      <p:bldP spid="2" grpId="0"/>
     </p:bldLst>
   </p:timing>
 </p:sld>
